--- a/Chapter1/Figures/Fig1.pptx
+++ b/Chapter1/Figures/Fig1.pptx
@@ -7,7 +7,7 @@
   <p:sldIdLst>
     <p:sldId id="256" r:id="rId2"/>
   </p:sldIdLst>
-  <p:sldSz cx="11522075" cy="3600450"/>
+  <p:sldSz cx="9721850" cy="8280400"/>
   <p:notesSz cx="6858000" cy="9144000"/>
   <p:defaultTextStyle>
     <a:defPPr>
@@ -136,8 +136,8 @@
         </p:nvSpPr>
         <p:spPr>
           <a:xfrm>
-            <a:off x="864156" y="1118478"/>
-            <a:ext cx="9793764" cy="771763"/>
+            <a:off x="729139" y="2572305"/>
+            <a:ext cx="8263573" cy="1774919"/>
           </a:xfrm>
         </p:spPr>
         <p:txBody>
@@ -164,8 +164,8 @@
         </p:nvSpPr>
         <p:spPr>
           <a:xfrm>
-            <a:off x="1728314" y="2040260"/>
-            <a:ext cx="8065453" cy="920115"/>
+            <a:off x="1458282" y="4692239"/>
+            <a:ext cx="6805295" cy="2116102"/>
           </a:xfrm>
         </p:spPr>
         <p:txBody>
@@ -288,7 +288,7 @@
           <a:p>
             <a:fld id="{87B95B6F-78E1-4637-9023-649F366F8102}" type="datetimeFigureOut">
               <a:rPr lang="en-GB" smtClean="0"/>
-              <a:t>27/06/2014</a:t>
+              <a:t>14/07/2014</a:t>
             </a:fld>
             <a:endParaRPr lang="en-GB"/>
           </a:p>
@@ -458,7 +458,7 @@
           <a:p>
             <a:fld id="{87B95B6F-78E1-4637-9023-649F366F8102}" type="datetimeFigureOut">
               <a:rPr lang="en-GB" smtClean="0"/>
-              <a:t>27/06/2014</a:t>
+              <a:t>14/07/2014</a:t>
             </a:fld>
             <a:endParaRPr lang="en-GB"/>
           </a:p>
@@ -548,8 +548,8 @@
         </p:nvSpPr>
         <p:spPr>
           <a:xfrm>
-            <a:off x="9867779" y="75848"/>
-            <a:ext cx="3062550" cy="1612701"/>
+            <a:off x="8326024" y="174438"/>
+            <a:ext cx="2584052" cy="3708928"/>
           </a:xfrm>
         </p:spPr>
         <p:txBody>
@@ -576,8 +576,8 @@
         </p:nvSpPr>
         <p:spPr>
           <a:xfrm>
-            <a:off x="680122" y="75848"/>
-            <a:ext cx="8995621" cy="1612701"/>
+            <a:off x="573861" y="174438"/>
+            <a:ext cx="7590133" cy="3708928"/>
           </a:xfrm>
         </p:spPr>
         <p:txBody>
@@ -638,7 +638,7 @@
           <a:p>
             <a:fld id="{87B95B6F-78E1-4637-9023-649F366F8102}" type="datetimeFigureOut">
               <a:rPr lang="en-GB" smtClean="0"/>
-              <a:t>27/06/2014</a:t>
+              <a:t>14/07/2014</a:t>
             </a:fld>
             <a:endParaRPr lang="en-GB"/>
           </a:p>
@@ -808,7 +808,7 @@
           <a:p>
             <a:fld id="{87B95B6F-78E1-4637-9023-649F366F8102}" type="datetimeFigureOut">
               <a:rPr lang="en-GB" smtClean="0"/>
-              <a:t>27/06/2014</a:t>
+              <a:t>14/07/2014</a:t>
             </a:fld>
             <a:endParaRPr lang="en-GB"/>
           </a:p>
@@ -898,8 +898,8 @@
         </p:nvSpPr>
         <p:spPr>
           <a:xfrm>
-            <a:off x="910166" y="2313628"/>
-            <a:ext cx="9793764" cy="715089"/>
+            <a:off x="767959" y="5320939"/>
+            <a:ext cx="8263573" cy="1644579"/>
           </a:xfrm>
         </p:spPr>
         <p:txBody>
@@ -930,8 +930,8 @@
         </p:nvSpPr>
         <p:spPr>
           <a:xfrm>
-            <a:off x="910166" y="1526025"/>
-            <a:ext cx="9793764" cy="787598"/>
+            <a:off x="767959" y="3509589"/>
+            <a:ext cx="8263573" cy="1811336"/>
           </a:xfrm>
         </p:spPr>
         <p:txBody>
@@ -1054,7 +1054,7 @@
           <a:p>
             <a:fld id="{87B95B6F-78E1-4637-9023-649F366F8102}" type="datetimeFigureOut">
               <a:rPr lang="en-GB" smtClean="0"/>
-              <a:t>27/06/2014</a:t>
+              <a:t>14/07/2014</a:t>
             </a:fld>
             <a:endParaRPr lang="en-GB"/>
           </a:p>
@@ -1167,8 +1167,8 @@
         </p:nvSpPr>
         <p:spPr>
           <a:xfrm>
-            <a:off x="680122" y="440889"/>
-            <a:ext cx="6029086" cy="1247656"/>
+            <a:off x="573859" y="1013969"/>
+            <a:ext cx="5087094" cy="2869389"/>
           </a:xfrm>
         </p:spPr>
         <p:txBody>
@@ -1252,8 +1252,8 @@
         </p:nvSpPr>
         <p:spPr>
           <a:xfrm>
-            <a:off x="6901244" y="440889"/>
-            <a:ext cx="6029086" cy="1247656"/>
+            <a:off x="5822984" y="1013969"/>
+            <a:ext cx="5087094" cy="2869389"/>
           </a:xfrm>
         </p:spPr>
         <p:txBody>
@@ -1342,7 +1342,7 @@
           <a:p>
             <a:fld id="{87B95B6F-78E1-4637-9023-649F366F8102}" type="datetimeFigureOut">
               <a:rPr lang="en-GB" smtClean="0"/>
-              <a:t>27/06/2014</a:t>
+              <a:t>14/07/2014</a:t>
             </a:fld>
             <a:endParaRPr lang="en-GB"/>
           </a:p>
@@ -1432,8 +1432,8 @@
         </p:nvSpPr>
         <p:spPr>
           <a:xfrm>
-            <a:off x="576105" y="144190"/>
-            <a:ext cx="10369868" cy="600075"/>
+            <a:off x="486095" y="331615"/>
+            <a:ext cx="8749665" cy="1380067"/>
           </a:xfrm>
         </p:spPr>
         <p:txBody>
@@ -1464,8 +1464,8 @@
         </p:nvSpPr>
         <p:spPr>
           <a:xfrm>
-            <a:off x="576105" y="805936"/>
-            <a:ext cx="5090918" cy="335875"/>
+            <a:off x="486093" y="1853514"/>
+            <a:ext cx="4295507" cy="772453"/>
           </a:xfrm>
         </p:spPr>
         <p:txBody>
@@ -1529,8 +1529,8 @@
         </p:nvSpPr>
         <p:spPr>
           <a:xfrm>
-            <a:off x="576105" y="1141809"/>
-            <a:ext cx="5090918" cy="2074426"/>
+            <a:off x="486093" y="2625959"/>
+            <a:ext cx="4295507" cy="4770814"/>
           </a:xfrm>
         </p:spPr>
         <p:txBody>
@@ -1614,8 +1614,8 @@
         </p:nvSpPr>
         <p:spPr>
           <a:xfrm>
-            <a:off x="5853057" y="805936"/>
-            <a:ext cx="5092917" cy="335875"/>
+            <a:off x="4938570" y="1853514"/>
+            <a:ext cx="4297193" cy="772453"/>
           </a:xfrm>
         </p:spPr>
         <p:txBody>
@@ -1679,8 +1679,8 @@
         </p:nvSpPr>
         <p:spPr>
           <a:xfrm>
-            <a:off x="5853057" y="1141809"/>
-            <a:ext cx="5092917" cy="2074426"/>
+            <a:off x="4938570" y="2625959"/>
+            <a:ext cx="4297193" cy="4770814"/>
           </a:xfrm>
         </p:spPr>
         <p:txBody>
@@ -1769,7 +1769,7 @@
           <a:p>
             <a:fld id="{87B95B6F-78E1-4637-9023-649F366F8102}" type="datetimeFigureOut">
               <a:rPr lang="en-GB" smtClean="0"/>
-              <a:t>27/06/2014</a:t>
+              <a:t>14/07/2014</a:t>
             </a:fld>
             <a:endParaRPr lang="en-GB"/>
           </a:p>
@@ -1887,7 +1887,7 @@
           <a:p>
             <a:fld id="{87B95B6F-78E1-4637-9023-649F366F8102}" type="datetimeFigureOut">
               <a:rPr lang="en-GB" smtClean="0"/>
-              <a:t>27/06/2014</a:t>
+              <a:t>14/07/2014</a:t>
             </a:fld>
             <a:endParaRPr lang="en-GB"/>
           </a:p>
@@ -1982,7 +1982,7 @@
           <a:p>
             <a:fld id="{87B95B6F-78E1-4637-9023-649F366F8102}" type="datetimeFigureOut">
               <a:rPr lang="en-GB" smtClean="0"/>
-              <a:t>27/06/2014</a:t>
+              <a:t>14/07/2014</a:t>
             </a:fld>
             <a:endParaRPr lang="en-GB"/>
           </a:p>
@@ -2072,8 +2072,8 @@
         </p:nvSpPr>
         <p:spPr>
           <a:xfrm>
-            <a:off x="576105" y="143351"/>
-            <a:ext cx="3790683" cy="610076"/>
+            <a:off x="486095" y="329684"/>
+            <a:ext cx="3198421" cy="1403067"/>
           </a:xfrm>
         </p:spPr>
         <p:txBody>
@@ -2104,8 +2104,8 @@
         </p:nvSpPr>
         <p:spPr>
           <a:xfrm>
-            <a:off x="4504814" y="143352"/>
-            <a:ext cx="6441161" cy="3072884"/>
+            <a:off x="3800977" y="329686"/>
+            <a:ext cx="5434786" cy="7067091"/>
           </a:xfrm>
         </p:spPr>
         <p:txBody>
@@ -2189,8 +2189,8 @@
         </p:nvSpPr>
         <p:spPr>
           <a:xfrm>
-            <a:off x="576105" y="753428"/>
-            <a:ext cx="3790683" cy="2462808"/>
+            <a:off x="486095" y="1732752"/>
+            <a:ext cx="3198421" cy="5664024"/>
           </a:xfrm>
         </p:spPr>
         <p:txBody>
@@ -2259,7 +2259,7 @@
           <a:p>
             <a:fld id="{87B95B6F-78E1-4637-9023-649F366F8102}" type="datetimeFigureOut">
               <a:rPr lang="en-GB" smtClean="0"/>
-              <a:t>27/06/2014</a:t>
+              <a:t>14/07/2014</a:t>
             </a:fld>
             <a:endParaRPr lang="en-GB"/>
           </a:p>
@@ -2349,8 +2349,8 @@
         </p:nvSpPr>
         <p:spPr>
           <a:xfrm>
-            <a:off x="2258409" y="2520320"/>
-            <a:ext cx="6913245" cy="297537"/>
+            <a:off x="1905554" y="5796294"/>
+            <a:ext cx="5833110" cy="684283"/>
           </a:xfrm>
         </p:spPr>
         <p:txBody>
@@ -2381,8 +2381,8 @@
         </p:nvSpPr>
         <p:spPr>
           <a:xfrm>
-            <a:off x="2258409" y="321707"/>
-            <a:ext cx="6913245" cy="2160270"/>
+            <a:off x="1905554" y="739869"/>
+            <a:ext cx="5833110" cy="4968240"/>
           </a:xfrm>
         </p:spPr>
         <p:txBody>
@@ -2442,8 +2442,8 @@
         </p:nvSpPr>
         <p:spPr>
           <a:xfrm>
-            <a:off x="2258409" y="2817857"/>
-            <a:ext cx="6913245" cy="422553"/>
+            <a:off x="1905554" y="6480577"/>
+            <a:ext cx="5833110" cy="971797"/>
           </a:xfrm>
         </p:spPr>
         <p:txBody>
@@ -2512,7 +2512,7 @@
           <a:p>
             <a:fld id="{87B95B6F-78E1-4637-9023-649F366F8102}" type="datetimeFigureOut">
               <a:rPr lang="en-GB" smtClean="0"/>
-              <a:t>27/06/2014</a:t>
+              <a:t>14/07/2014</a:t>
             </a:fld>
             <a:endParaRPr lang="en-GB"/>
           </a:p>
@@ -2607,8 +2607,8 @@
         </p:nvSpPr>
         <p:spPr>
           <a:xfrm>
-            <a:off x="576105" y="144190"/>
-            <a:ext cx="10369868" cy="600075"/>
+            <a:off x="486095" y="331615"/>
+            <a:ext cx="8749665" cy="1380067"/>
           </a:xfrm>
           <a:prstGeom prst="rect">
             <a:avLst/>
@@ -2640,8 +2640,8 @@
         </p:nvSpPr>
         <p:spPr>
           <a:xfrm>
-            <a:off x="576105" y="840110"/>
-            <a:ext cx="10369868" cy="2376131"/>
+            <a:off x="486095" y="1932106"/>
+            <a:ext cx="8749665" cy="5464682"/>
           </a:xfrm>
           <a:prstGeom prst="rect">
             <a:avLst/>
@@ -2702,8 +2702,8 @@
         </p:nvSpPr>
         <p:spPr>
           <a:xfrm>
-            <a:off x="576106" y="3337089"/>
-            <a:ext cx="2688486" cy="191691"/>
+            <a:off x="486094" y="7674720"/>
+            <a:ext cx="2268434" cy="440855"/>
           </a:xfrm>
           <a:prstGeom prst="rect">
             <a:avLst/>
@@ -2725,7 +2725,7 @@
           <a:p>
             <a:fld id="{87B95B6F-78E1-4637-9023-649F366F8102}" type="datetimeFigureOut">
               <a:rPr lang="en-GB" smtClean="0"/>
-              <a:t>27/06/2014</a:t>
+              <a:t>14/07/2014</a:t>
             </a:fld>
             <a:endParaRPr lang="en-GB"/>
           </a:p>
@@ -2743,8 +2743,8 @@
         </p:nvSpPr>
         <p:spPr>
           <a:xfrm>
-            <a:off x="3936711" y="3337089"/>
-            <a:ext cx="3648657" cy="191691"/>
+            <a:off x="3321636" y="7674720"/>
+            <a:ext cx="3078585" cy="440855"/>
           </a:xfrm>
           <a:prstGeom prst="rect">
             <a:avLst/>
@@ -2780,8 +2780,8 @@
         </p:nvSpPr>
         <p:spPr>
           <a:xfrm>
-            <a:off x="8257489" y="3337089"/>
-            <a:ext cx="2688486" cy="191691"/>
+            <a:off x="6967328" y="7674720"/>
+            <a:ext cx="2268434" cy="440855"/>
           </a:xfrm>
           <a:prstGeom prst="rect">
             <a:avLst/>
@@ -3102,7 +3102,7 @@
       </p:grpSpPr>
       <p:pic>
         <p:nvPicPr>
-          <p:cNvPr id="28" name="Picture 2" descr="http://upload.wikimedia.org/wikipedia/commons/b/bf/Replica-of-first-transistor.jpg"/>
+          <p:cNvPr id="18" name="Picture 4" descr="Silicon Production Process"/>
           <p:cNvPicPr>
             <a:picLocks noChangeAspect="1" noChangeArrowheads="1"/>
           </p:cNvPicPr>
@@ -3123,8 +3123,8 @@
         </p:blipFill>
         <p:spPr bwMode="auto">
           <a:xfrm>
-            <a:off x="35387" y="117051"/>
-            <a:ext cx="3816424" cy="3419516"/>
+            <a:off x="-31134" y="3459180"/>
+            <a:ext cx="9819831" cy="4821790"/>
           </a:xfrm>
           <a:prstGeom prst="rect">
             <a:avLst/>
@@ -3143,7 +3143,7 @@
       </p:pic>
       <p:pic>
         <p:nvPicPr>
-          <p:cNvPr id="29" name="Picture 4" descr="Silicon Production Process"/>
+          <p:cNvPr id="19" name="Picture 2" descr="http://upload.wikimedia.org/wikipedia/commons/b/bf/Replica-of-first-transistor.jpg"/>
           <p:cNvPicPr>
             <a:picLocks noChangeAspect="1" noChangeArrowheads="1"/>
           </p:cNvPicPr>
@@ -3164,8 +3164,8 @@
         </p:blipFill>
         <p:spPr bwMode="auto">
           <a:xfrm>
-            <a:off x="3995827" y="2771"/>
-            <a:ext cx="7429500" cy="3648076"/>
+            <a:off x="3002100" y="-5506"/>
+            <a:ext cx="3816424" cy="3419516"/>
           </a:xfrm>
           <a:prstGeom prst="rect">
             <a:avLst/>
@@ -3184,13 +3184,13 @@
       </p:pic>
       <p:sp>
         <p:nvSpPr>
-          <p:cNvPr id="30" name="TextBox 29"/>
+          <p:cNvPr id="20" name="TextBox 19"/>
           <p:cNvSpPr txBox="1"/>
           <p:nvPr/>
         </p:nvSpPr>
         <p:spPr>
           <a:xfrm>
-            <a:off x="35387" y="124284"/>
+            <a:off x="2389524" y="29691"/>
             <a:ext cx="612576" cy="477054"/>
           </a:xfrm>
           <a:prstGeom prst="rect">
@@ -3214,13 +3214,13 @@
       </p:sp>
       <p:sp>
         <p:nvSpPr>
-          <p:cNvPr id="31" name="TextBox 30"/>
+          <p:cNvPr id="21" name="TextBox 20"/>
           <p:cNvSpPr txBox="1"/>
           <p:nvPr/>
         </p:nvSpPr>
         <p:spPr>
           <a:xfrm>
-            <a:off x="4139843" y="124284"/>
+            <a:off x="397" y="3555444"/>
             <a:ext cx="612576" cy="477054"/>
           </a:xfrm>
           <a:prstGeom prst="rect">

--- a/Chapter1/Figures/Fig1.pptx
+++ b/Chapter1/Figures/Fig1.pptx
@@ -7,14 +7,14 @@
   <p:sldIdLst>
     <p:sldId id="256" r:id="rId2"/>
   </p:sldIdLst>
-  <p:sldSz cx="9721850" cy="8280400"/>
+  <p:sldSz cx="11341100" cy="7380288"/>
   <p:notesSz cx="6858000" cy="9144000"/>
   <p:defaultTextStyle>
     <a:defPPr>
       <a:defRPr lang="en-US"/>
     </a:defPPr>
-    <a:lvl1pPr marL="0" algn="l" defTabSz="914400" rtl="0" eaLnBrk="1" latinLnBrk="0" hangingPunct="1">
-      <a:defRPr sz="1800" kern="1200">
+    <a:lvl1pPr marL="0" algn="l" defTabSz="950976" rtl="0" eaLnBrk="1" latinLnBrk="0" hangingPunct="1">
+      <a:defRPr sz="1900" kern="1200">
         <a:solidFill>
           <a:schemeClr val="tx1"/>
         </a:solidFill>
@@ -23,8 +23,8 @@
         <a:cs typeface="+mn-cs"/>
       </a:defRPr>
     </a:lvl1pPr>
-    <a:lvl2pPr marL="457200" algn="l" defTabSz="914400" rtl="0" eaLnBrk="1" latinLnBrk="0" hangingPunct="1">
-      <a:defRPr sz="1800" kern="1200">
+    <a:lvl2pPr marL="475488" algn="l" defTabSz="950976" rtl="0" eaLnBrk="1" latinLnBrk="0" hangingPunct="1">
+      <a:defRPr sz="1900" kern="1200">
         <a:solidFill>
           <a:schemeClr val="tx1"/>
         </a:solidFill>
@@ -33,8 +33,8 @@
         <a:cs typeface="+mn-cs"/>
       </a:defRPr>
     </a:lvl2pPr>
-    <a:lvl3pPr marL="914400" algn="l" defTabSz="914400" rtl="0" eaLnBrk="1" latinLnBrk="0" hangingPunct="1">
-      <a:defRPr sz="1800" kern="1200">
+    <a:lvl3pPr marL="950976" algn="l" defTabSz="950976" rtl="0" eaLnBrk="1" latinLnBrk="0" hangingPunct="1">
+      <a:defRPr sz="1900" kern="1200">
         <a:solidFill>
           <a:schemeClr val="tx1"/>
         </a:solidFill>
@@ -43,8 +43,8 @@
         <a:cs typeface="+mn-cs"/>
       </a:defRPr>
     </a:lvl3pPr>
-    <a:lvl4pPr marL="1371600" algn="l" defTabSz="914400" rtl="0" eaLnBrk="1" latinLnBrk="0" hangingPunct="1">
-      <a:defRPr sz="1800" kern="1200">
+    <a:lvl4pPr marL="1426464" algn="l" defTabSz="950976" rtl="0" eaLnBrk="1" latinLnBrk="0" hangingPunct="1">
+      <a:defRPr sz="1900" kern="1200">
         <a:solidFill>
           <a:schemeClr val="tx1"/>
         </a:solidFill>
@@ -53,8 +53,8 @@
         <a:cs typeface="+mn-cs"/>
       </a:defRPr>
     </a:lvl4pPr>
-    <a:lvl5pPr marL="1828800" algn="l" defTabSz="914400" rtl="0" eaLnBrk="1" latinLnBrk="0" hangingPunct="1">
-      <a:defRPr sz="1800" kern="1200">
+    <a:lvl5pPr marL="1901952" algn="l" defTabSz="950976" rtl="0" eaLnBrk="1" latinLnBrk="0" hangingPunct="1">
+      <a:defRPr sz="1900" kern="1200">
         <a:solidFill>
           <a:schemeClr val="tx1"/>
         </a:solidFill>
@@ -63,8 +63,8 @@
         <a:cs typeface="+mn-cs"/>
       </a:defRPr>
     </a:lvl5pPr>
-    <a:lvl6pPr marL="2286000" algn="l" defTabSz="914400" rtl="0" eaLnBrk="1" latinLnBrk="0" hangingPunct="1">
-      <a:defRPr sz="1800" kern="1200">
+    <a:lvl6pPr marL="2377440" algn="l" defTabSz="950976" rtl="0" eaLnBrk="1" latinLnBrk="0" hangingPunct="1">
+      <a:defRPr sz="1900" kern="1200">
         <a:solidFill>
           <a:schemeClr val="tx1"/>
         </a:solidFill>
@@ -73,8 +73,8 @@
         <a:cs typeface="+mn-cs"/>
       </a:defRPr>
     </a:lvl6pPr>
-    <a:lvl7pPr marL="2743200" algn="l" defTabSz="914400" rtl="0" eaLnBrk="1" latinLnBrk="0" hangingPunct="1">
-      <a:defRPr sz="1800" kern="1200">
+    <a:lvl7pPr marL="2852928" algn="l" defTabSz="950976" rtl="0" eaLnBrk="1" latinLnBrk="0" hangingPunct="1">
+      <a:defRPr sz="1900" kern="1200">
         <a:solidFill>
           <a:schemeClr val="tx1"/>
         </a:solidFill>
@@ -83,8 +83,8 @@
         <a:cs typeface="+mn-cs"/>
       </a:defRPr>
     </a:lvl7pPr>
-    <a:lvl8pPr marL="3200400" algn="l" defTabSz="914400" rtl="0" eaLnBrk="1" latinLnBrk="0" hangingPunct="1">
-      <a:defRPr sz="1800" kern="1200">
+    <a:lvl8pPr marL="3328416" algn="l" defTabSz="950976" rtl="0" eaLnBrk="1" latinLnBrk="0" hangingPunct="1">
+      <a:defRPr sz="1900" kern="1200">
         <a:solidFill>
           <a:schemeClr val="tx1"/>
         </a:solidFill>
@@ -93,8 +93,8 @@
         <a:cs typeface="+mn-cs"/>
       </a:defRPr>
     </a:lvl8pPr>
-    <a:lvl9pPr marL="3657600" algn="l" defTabSz="914400" rtl="0" eaLnBrk="1" latinLnBrk="0" hangingPunct="1">
-      <a:defRPr sz="1800" kern="1200">
+    <a:lvl9pPr marL="3803904" algn="l" defTabSz="950976" rtl="0" eaLnBrk="1" latinLnBrk="0" hangingPunct="1">
+      <a:defRPr sz="1900" kern="1200">
         <a:solidFill>
           <a:schemeClr val="tx1"/>
         </a:solidFill>
@@ -136,8 +136,8 @@
         </p:nvSpPr>
         <p:spPr>
           <a:xfrm>
-            <a:off x="729139" y="2572305"/>
-            <a:ext cx="8263573" cy="1774919"/>
+            <a:off x="850584" y="2292686"/>
+            <a:ext cx="9639936" cy="1581978"/>
           </a:xfrm>
         </p:spPr>
         <p:txBody>
@@ -164,8 +164,8 @@
         </p:nvSpPr>
         <p:spPr>
           <a:xfrm>
-            <a:off x="1458282" y="4692239"/>
-            <a:ext cx="6805295" cy="2116102"/>
+            <a:off x="1701172" y="4182175"/>
+            <a:ext cx="7938770" cy="1886074"/>
           </a:xfrm>
         </p:spPr>
         <p:txBody>
@@ -181,7 +181,7 @@
                 </a:solidFill>
               </a:defRPr>
             </a:lvl1pPr>
-            <a:lvl2pPr marL="457200" indent="0" algn="ctr">
+            <a:lvl2pPr marL="475488" indent="0" algn="ctr">
               <a:buNone/>
               <a:defRPr>
                 <a:solidFill>
@@ -191,7 +191,7 @@
                 </a:solidFill>
               </a:defRPr>
             </a:lvl2pPr>
-            <a:lvl3pPr marL="914400" indent="0" algn="ctr">
+            <a:lvl3pPr marL="950976" indent="0" algn="ctr">
               <a:buNone/>
               <a:defRPr>
                 <a:solidFill>
@@ -201,7 +201,7 @@
                 </a:solidFill>
               </a:defRPr>
             </a:lvl3pPr>
-            <a:lvl4pPr marL="1371600" indent="0" algn="ctr">
+            <a:lvl4pPr marL="1426464" indent="0" algn="ctr">
               <a:buNone/>
               <a:defRPr>
                 <a:solidFill>
@@ -211,7 +211,7 @@
                 </a:solidFill>
               </a:defRPr>
             </a:lvl4pPr>
-            <a:lvl5pPr marL="1828800" indent="0" algn="ctr">
+            <a:lvl5pPr marL="1901952" indent="0" algn="ctr">
               <a:buNone/>
               <a:defRPr>
                 <a:solidFill>
@@ -221,7 +221,7 @@
                 </a:solidFill>
               </a:defRPr>
             </a:lvl5pPr>
-            <a:lvl6pPr marL="2286000" indent="0" algn="ctr">
+            <a:lvl6pPr marL="2377440" indent="0" algn="ctr">
               <a:buNone/>
               <a:defRPr>
                 <a:solidFill>
@@ -231,7 +231,7 @@
                 </a:solidFill>
               </a:defRPr>
             </a:lvl6pPr>
-            <a:lvl7pPr marL="2743200" indent="0" algn="ctr">
+            <a:lvl7pPr marL="2852928" indent="0" algn="ctr">
               <a:buNone/>
               <a:defRPr>
                 <a:solidFill>
@@ -241,7 +241,7 @@
                 </a:solidFill>
               </a:defRPr>
             </a:lvl7pPr>
-            <a:lvl8pPr marL="3200400" indent="0" algn="ctr">
+            <a:lvl8pPr marL="3328416" indent="0" algn="ctr">
               <a:buNone/>
               <a:defRPr>
                 <a:solidFill>
@@ -251,7 +251,7 @@
                 </a:solidFill>
               </a:defRPr>
             </a:lvl8pPr>
-            <a:lvl9pPr marL="3657600" indent="0" algn="ctr">
+            <a:lvl9pPr marL="3803904" indent="0" algn="ctr">
               <a:buNone/>
               <a:defRPr>
                 <a:solidFill>
@@ -288,7 +288,7 @@
           <a:p>
             <a:fld id="{87B95B6F-78E1-4637-9023-649F366F8102}" type="datetimeFigureOut">
               <a:rPr lang="en-GB" smtClean="0"/>
-              <a:t>14/07/2014</a:t>
+              <a:t>25/08/2014</a:t>
             </a:fld>
             <a:endParaRPr lang="en-GB"/>
           </a:p>
@@ -458,7 +458,7 @@
           <a:p>
             <a:fld id="{87B95B6F-78E1-4637-9023-649F366F8102}" type="datetimeFigureOut">
               <a:rPr lang="en-GB" smtClean="0"/>
-              <a:t>14/07/2014</a:t>
+              <a:t>25/08/2014</a:t>
             </a:fld>
             <a:endParaRPr lang="en-GB"/>
           </a:p>
@@ -548,8 +548,8 @@
         </p:nvSpPr>
         <p:spPr>
           <a:xfrm>
-            <a:off x="8326024" y="174438"/>
-            <a:ext cx="2584052" cy="3708928"/>
+            <a:off x="9712790" y="155476"/>
+            <a:ext cx="3014446" cy="3305753"/>
           </a:xfrm>
         </p:spPr>
         <p:txBody>
@@ -576,8 +576,8 @@
         </p:nvSpPr>
         <p:spPr>
           <a:xfrm>
-            <a:off x="573861" y="174438"/>
-            <a:ext cx="7590133" cy="3708928"/>
+            <a:off x="669442" y="155476"/>
+            <a:ext cx="8854329" cy="3305753"/>
           </a:xfrm>
         </p:spPr>
         <p:txBody>
@@ -638,7 +638,7 @@
           <a:p>
             <a:fld id="{87B95B6F-78E1-4637-9023-649F366F8102}" type="datetimeFigureOut">
               <a:rPr lang="en-GB" smtClean="0"/>
-              <a:t>14/07/2014</a:t>
+              <a:t>25/08/2014</a:t>
             </a:fld>
             <a:endParaRPr lang="en-GB"/>
           </a:p>
@@ -808,7 +808,7 @@
           <a:p>
             <a:fld id="{87B95B6F-78E1-4637-9023-649F366F8102}" type="datetimeFigureOut">
               <a:rPr lang="en-GB" smtClean="0"/>
-              <a:t>14/07/2014</a:t>
+              <a:t>25/08/2014</a:t>
             </a:fld>
             <a:endParaRPr lang="en-GB"/>
           </a:p>
@@ -898,15 +898,15 @@
         </p:nvSpPr>
         <p:spPr>
           <a:xfrm>
-            <a:off x="767959" y="5320939"/>
-            <a:ext cx="8263573" cy="1644579"/>
+            <a:off x="895870" y="4742533"/>
+            <a:ext cx="9639936" cy="1465806"/>
           </a:xfrm>
         </p:spPr>
         <p:txBody>
           <a:bodyPr anchor="t"/>
           <a:lstStyle>
             <a:lvl1pPr algn="l">
-              <a:defRPr sz="4000" b="1" cap="all"/>
+              <a:defRPr sz="4200" b="1" cap="all"/>
             </a:lvl1pPr>
           </a:lstStyle>
           <a:p>
@@ -930,8 +930,8 @@
         </p:nvSpPr>
         <p:spPr>
           <a:xfrm>
-            <a:off x="767959" y="3509589"/>
-            <a:ext cx="8263573" cy="1811336"/>
+            <a:off x="895870" y="3128082"/>
+            <a:ext cx="9639936" cy="1614437"/>
           </a:xfrm>
         </p:spPr>
         <p:txBody>
@@ -939,7 +939,7 @@
           <a:lstStyle>
             <a:lvl1pPr marL="0" indent="0">
               <a:buNone/>
-              <a:defRPr sz="2000">
+              <a:defRPr sz="2100">
                 <a:solidFill>
                   <a:schemeClr val="tx1">
                     <a:tint val="75000"/>
@@ -947,9 +947,9 @@
                 </a:solidFill>
               </a:defRPr>
             </a:lvl1pPr>
-            <a:lvl2pPr marL="457200" indent="0">
-              <a:buNone/>
-              <a:defRPr sz="1800">
+            <a:lvl2pPr marL="475488" indent="0">
+              <a:buNone/>
+              <a:defRPr sz="1900">
                 <a:solidFill>
                   <a:schemeClr val="tx1">
                     <a:tint val="75000"/>
@@ -957,9 +957,9 @@
                 </a:solidFill>
               </a:defRPr>
             </a:lvl2pPr>
-            <a:lvl3pPr marL="914400" indent="0">
-              <a:buNone/>
-              <a:defRPr sz="1600">
+            <a:lvl3pPr marL="950976" indent="0">
+              <a:buNone/>
+              <a:defRPr sz="1700">
                 <a:solidFill>
                   <a:schemeClr val="tx1">
                     <a:tint val="75000"/>
@@ -967,9 +967,9 @@
                 </a:solidFill>
               </a:defRPr>
             </a:lvl3pPr>
-            <a:lvl4pPr marL="1371600" indent="0">
-              <a:buNone/>
-              <a:defRPr sz="1400">
+            <a:lvl4pPr marL="1426464" indent="0">
+              <a:buNone/>
+              <a:defRPr sz="1500">
                 <a:solidFill>
                   <a:schemeClr val="tx1">
                     <a:tint val="75000"/>
@@ -977,9 +977,9 @@
                 </a:solidFill>
               </a:defRPr>
             </a:lvl4pPr>
-            <a:lvl5pPr marL="1828800" indent="0">
-              <a:buNone/>
-              <a:defRPr sz="1400">
+            <a:lvl5pPr marL="1901952" indent="0">
+              <a:buNone/>
+              <a:defRPr sz="1500">
                 <a:solidFill>
                   <a:schemeClr val="tx1">
                     <a:tint val="75000"/>
@@ -987,9 +987,9 @@
                 </a:solidFill>
               </a:defRPr>
             </a:lvl5pPr>
-            <a:lvl6pPr marL="2286000" indent="0">
-              <a:buNone/>
-              <a:defRPr sz="1400">
+            <a:lvl6pPr marL="2377440" indent="0">
+              <a:buNone/>
+              <a:defRPr sz="1500">
                 <a:solidFill>
                   <a:schemeClr val="tx1">
                     <a:tint val="75000"/>
@@ -997,9 +997,9 @@
                 </a:solidFill>
               </a:defRPr>
             </a:lvl6pPr>
-            <a:lvl7pPr marL="2743200" indent="0">
-              <a:buNone/>
-              <a:defRPr sz="1400">
+            <a:lvl7pPr marL="2852928" indent="0">
+              <a:buNone/>
+              <a:defRPr sz="1500">
                 <a:solidFill>
                   <a:schemeClr val="tx1">
                     <a:tint val="75000"/>
@@ -1007,9 +1007,9 @@
                 </a:solidFill>
               </a:defRPr>
             </a:lvl7pPr>
-            <a:lvl8pPr marL="3200400" indent="0">
-              <a:buNone/>
-              <a:defRPr sz="1400">
+            <a:lvl8pPr marL="3328416" indent="0">
+              <a:buNone/>
+              <a:defRPr sz="1500">
                 <a:solidFill>
                   <a:schemeClr val="tx1">
                     <a:tint val="75000"/>
@@ -1017,9 +1017,9 @@
                 </a:solidFill>
               </a:defRPr>
             </a:lvl8pPr>
-            <a:lvl9pPr marL="3657600" indent="0">
-              <a:buNone/>
-              <a:defRPr sz="1400">
+            <a:lvl9pPr marL="3803904" indent="0">
+              <a:buNone/>
+              <a:defRPr sz="1500">
                 <a:solidFill>
                   <a:schemeClr val="tx1">
                     <a:tint val="75000"/>
@@ -1054,7 +1054,7 @@
           <a:p>
             <a:fld id="{87B95B6F-78E1-4637-9023-649F366F8102}" type="datetimeFigureOut">
               <a:rPr lang="en-GB" smtClean="0"/>
-              <a:t>14/07/2014</a:t>
+              <a:t>25/08/2014</a:t>
             </a:fld>
             <a:endParaRPr lang="en-GB"/>
           </a:p>
@@ -1167,39 +1167,39 @@
         </p:nvSpPr>
         <p:spPr>
           <a:xfrm>
-            <a:off x="573859" y="1013969"/>
-            <a:ext cx="5087094" cy="2869389"/>
+            <a:off x="669441" y="903747"/>
+            <a:ext cx="5934389" cy="2557475"/>
           </a:xfrm>
         </p:spPr>
         <p:txBody>
           <a:bodyPr/>
           <a:lstStyle>
             <a:lvl1pPr>
-              <a:defRPr sz="2800"/>
+              <a:defRPr sz="2900"/>
             </a:lvl1pPr>
             <a:lvl2pPr>
-              <a:defRPr sz="2400"/>
+              <a:defRPr sz="2500"/>
             </a:lvl2pPr>
             <a:lvl3pPr>
-              <a:defRPr sz="2000"/>
+              <a:defRPr sz="2100"/>
             </a:lvl3pPr>
             <a:lvl4pPr>
-              <a:defRPr sz="1800"/>
+              <a:defRPr sz="1900"/>
             </a:lvl4pPr>
             <a:lvl5pPr>
-              <a:defRPr sz="1800"/>
+              <a:defRPr sz="1900"/>
             </a:lvl5pPr>
             <a:lvl6pPr>
-              <a:defRPr sz="1800"/>
+              <a:defRPr sz="1900"/>
             </a:lvl6pPr>
             <a:lvl7pPr>
-              <a:defRPr sz="1800"/>
+              <a:defRPr sz="1900"/>
             </a:lvl7pPr>
             <a:lvl8pPr>
-              <a:defRPr sz="1800"/>
+              <a:defRPr sz="1900"/>
             </a:lvl8pPr>
             <a:lvl9pPr>
-              <a:defRPr sz="1800"/>
+              <a:defRPr sz="1900"/>
             </a:lvl9pPr>
           </a:lstStyle>
           <a:p>
@@ -1252,39 +1252,39 @@
         </p:nvSpPr>
         <p:spPr>
           <a:xfrm>
-            <a:off x="5822984" y="1013969"/>
-            <a:ext cx="5087094" cy="2869389"/>
+            <a:off x="6792848" y="903747"/>
+            <a:ext cx="5934389" cy="2557475"/>
           </a:xfrm>
         </p:spPr>
         <p:txBody>
           <a:bodyPr/>
           <a:lstStyle>
             <a:lvl1pPr>
-              <a:defRPr sz="2800"/>
+              <a:defRPr sz="2900"/>
             </a:lvl1pPr>
             <a:lvl2pPr>
-              <a:defRPr sz="2400"/>
+              <a:defRPr sz="2500"/>
             </a:lvl2pPr>
             <a:lvl3pPr>
-              <a:defRPr sz="2000"/>
+              <a:defRPr sz="2100"/>
             </a:lvl3pPr>
             <a:lvl4pPr>
-              <a:defRPr sz="1800"/>
+              <a:defRPr sz="1900"/>
             </a:lvl4pPr>
             <a:lvl5pPr>
-              <a:defRPr sz="1800"/>
+              <a:defRPr sz="1900"/>
             </a:lvl5pPr>
             <a:lvl6pPr>
-              <a:defRPr sz="1800"/>
+              <a:defRPr sz="1900"/>
             </a:lvl6pPr>
             <a:lvl7pPr>
-              <a:defRPr sz="1800"/>
+              <a:defRPr sz="1900"/>
             </a:lvl7pPr>
             <a:lvl8pPr>
-              <a:defRPr sz="1800"/>
+              <a:defRPr sz="1900"/>
             </a:lvl8pPr>
             <a:lvl9pPr>
-              <a:defRPr sz="1800"/>
+              <a:defRPr sz="1900"/>
             </a:lvl9pPr>
           </a:lstStyle>
           <a:p>
@@ -1342,7 +1342,7 @@
           <a:p>
             <a:fld id="{87B95B6F-78E1-4637-9023-649F366F8102}" type="datetimeFigureOut">
               <a:rPr lang="en-GB" smtClean="0"/>
-              <a:t>14/07/2014</a:t>
+              <a:t>25/08/2014</a:t>
             </a:fld>
             <a:endParaRPr lang="en-GB"/>
           </a:p>
@@ -1432,8 +1432,8 @@
         </p:nvSpPr>
         <p:spPr>
           <a:xfrm>
-            <a:off x="486095" y="331615"/>
-            <a:ext cx="8749665" cy="1380067"/>
+            <a:off x="567060" y="295569"/>
+            <a:ext cx="10206990" cy="1230048"/>
           </a:xfrm>
         </p:spPr>
         <p:txBody>
@@ -1464,8 +1464,8 @@
         </p:nvSpPr>
         <p:spPr>
           <a:xfrm>
-            <a:off x="486093" y="1853514"/>
-            <a:ext cx="4295507" cy="772453"/>
+            <a:off x="567057" y="1652031"/>
+            <a:ext cx="5010957" cy="688484"/>
           </a:xfrm>
         </p:spPr>
         <p:txBody>
@@ -1473,39 +1473,39 @@
           <a:lstStyle>
             <a:lvl1pPr marL="0" indent="0">
               <a:buNone/>
-              <a:defRPr sz="2400" b="1"/>
+              <a:defRPr sz="2500" b="1"/>
             </a:lvl1pPr>
-            <a:lvl2pPr marL="457200" indent="0">
-              <a:buNone/>
-              <a:defRPr sz="2000" b="1"/>
+            <a:lvl2pPr marL="475488" indent="0">
+              <a:buNone/>
+              <a:defRPr sz="2100" b="1"/>
             </a:lvl2pPr>
-            <a:lvl3pPr marL="914400" indent="0">
-              <a:buNone/>
-              <a:defRPr sz="1800" b="1"/>
+            <a:lvl3pPr marL="950976" indent="0">
+              <a:buNone/>
+              <a:defRPr sz="1900" b="1"/>
             </a:lvl3pPr>
-            <a:lvl4pPr marL="1371600" indent="0">
-              <a:buNone/>
-              <a:defRPr sz="1600" b="1"/>
+            <a:lvl4pPr marL="1426464" indent="0">
+              <a:buNone/>
+              <a:defRPr sz="1700" b="1"/>
             </a:lvl4pPr>
-            <a:lvl5pPr marL="1828800" indent="0">
-              <a:buNone/>
-              <a:defRPr sz="1600" b="1"/>
+            <a:lvl5pPr marL="1901952" indent="0">
+              <a:buNone/>
+              <a:defRPr sz="1700" b="1"/>
             </a:lvl5pPr>
-            <a:lvl6pPr marL="2286000" indent="0">
-              <a:buNone/>
-              <a:defRPr sz="1600" b="1"/>
+            <a:lvl6pPr marL="2377440" indent="0">
+              <a:buNone/>
+              <a:defRPr sz="1700" b="1"/>
             </a:lvl6pPr>
-            <a:lvl7pPr marL="2743200" indent="0">
-              <a:buNone/>
-              <a:defRPr sz="1600" b="1"/>
+            <a:lvl7pPr marL="2852928" indent="0">
+              <a:buNone/>
+              <a:defRPr sz="1700" b="1"/>
             </a:lvl7pPr>
-            <a:lvl8pPr marL="3200400" indent="0">
-              <a:buNone/>
-              <a:defRPr sz="1600" b="1"/>
+            <a:lvl8pPr marL="3328416" indent="0">
+              <a:buNone/>
+              <a:defRPr sz="1700" b="1"/>
             </a:lvl8pPr>
-            <a:lvl9pPr marL="3657600" indent="0">
-              <a:buNone/>
-              <a:defRPr sz="1600" b="1"/>
+            <a:lvl9pPr marL="3803904" indent="0">
+              <a:buNone/>
+              <a:defRPr sz="1700" b="1"/>
             </a:lvl9pPr>
           </a:lstStyle>
           <a:p>
@@ -1529,39 +1529,39 @@
         </p:nvSpPr>
         <p:spPr>
           <a:xfrm>
-            <a:off x="486093" y="2625959"/>
-            <a:ext cx="4295507" cy="4770814"/>
+            <a:off x="567057" y="2340507"/>
+            <a:ext cx="5010957" cy="4252208"/>
           </a:xfrm>
         </p:spPr>
         <p:txBody>
           <a:bodyPr/>
           <a:lstStyle>
             <a:lvl1pPr>
-              <a:defRPr sz="2400"/>
+              <a:defRPr sz="2500"/>
             </a:lvl1pPr>
             <a:lvl2pPr>
-              <a:defRPr sz="2000"/>
+              <a:defRPr sz="2100"/>
             </a:lvl2pPr>
             <a:lvl3pPr>
-              <a:defRPr sz="1800"/>
+              <a:defRPr sz="1900"/>
             </a:lvl3pPr>
             <a:lvl4pPr>
-              <a:defRPr sz="1600"/>
+              <a:defRPr sz="1700"/>
             </a:lvl4pPr>
             <a:lvl5pPr>
-              <a:defRPr sz="1600"/>
+              <a:defRPr sz="1700"/>
             </a:lvl5pPr>
             <a:lvl6pPr>
-              <a:defRPr sz="1600"/>
+              <a:defRPr sz="1700"/>
             </a:lvl6pPr>
             <a:lvl7pPr>
-              <a:defRPr sz="1600"/>
+              <a:defRPr sz="1700"/>
             </a:lvl7pPr>
             <a:lvl8pPr>
-              <a:defRPr sz="1600"/>
+              <a:defRPr sz="1700"/>
             </a:lvl8pPr>
             <a:lvl9pPr>
-              <a:defRPr sz="1600"/>
+              <a:defRPr sz="1700"/>
             </a:lvl9pPr>
           </a:lstStyle>
           <a:p>
@@ -1614,8 +1614,8 @@
         </p:nvSpPr>
         <p:spPr>
           <a:xfrm>
-            <a:off x="4938570" y="1853514"/>
-            <a:ext cx="4297193" cy="772453"/>
+            <a:off x="5761128" y="1652031"/>
+            <a:ext cx="5012924" cy="688484"/>
           </a:xfrm>
         </p:spPr>
         <p:txBody>
@@ -1623,39 +1623,39 @@
           <a:lstStyle>
             <a:lvl1pPr marL="0" indent="0">
               <a:buNone/>
-              <a:defRPr sz="2400" b="1"/>
+              <a:defRPr sz="2500" b="1"/>
             </a:lvl1pPr>
-            <a:lvl2pPr marL="457200" indent="0">
-              <a:buNone/>
-              <a:defRPr sz="2000" b="1"/>
+            <a:lvl2pPr marL="475488" indent="0">
+              <a:buNone/>
+              <a:defRPr sz="2100" b="1"/>
             </a:lvl2pPr>
-            <a:lvl3pPr marL="914400" indent="0">
-              <a:buNone/>
-              <a:defRPr sz="1800" b="1"/>
+            <a:lvl3pPr marL="950976" indent="0">
+              <a:buNone/>
+              <a:defRPr sz="1900" b="1"/>
             </a:lvl3pPr>
-            <a:lvl4pPr marL="1371600" indent="0">
-              <a:buNone/>
-              <a:defRPr sz="1600" b="1"/>
+            <a:lvl4pPr marL="1426464" indent="0">
+              <a:buNone/>
+              <a:defRPr sz="1700" b="1"/>
             </a:lvl4pPr>
-            <a:lvl5pPr marL="1828800" indent="0">
-              <a:buNone/>
-              <a:defRPr sz="1600" b="1"/>
+            <a:lvl5pPr marL="1901952" indent="0">
+              <a:buNone/>
+              <a:defRPr sz="1700" b="1"/>
             </a:lvl5pPr>
-            <a:lvl6pPr marL="2286000" indent="0">
-              <a:buNone/>
-              <a:defRPr sz="1600" b="1"/>
+            <a:lvl6pPr marL="2377440" indent="0">
+              <a:buNone/>
+              <a:defRPr sz="1700" b="1"/>
             </a:lvl6pPr>
-            <a:lvl7pPr marL="2743200" indent="0">
-              <a:buNone/>
-              <a:defRPr sz="1600" b="1"/>
+            <a:lvl7pPr marL="2852928" indent="0">
+              <a:buNone/>
+              <a:defRPr sz="1700" b="1"/>
             </a:lvl7pPr>
-            <a:lvl8pPr marL="3200400" indent="0">
-              <a:buNone/>
-              <a:defRPr sz="1600" b="1"/>
+            <a:lvl8pPr marL="3328416" indent="0">
+              <a:buNone/>
+              <a:defRPr sz="1700" b="1"/>
             </a:lvl8pPr>
-            <a:lvl9pPr marL="3657600" indent="0">
-              <a:buNone/>
-              <a:defRPr sz="1600" b="1"/>
+            <a:lvl9pPr marL="3803904" indent="0">
+              <a:buNone/>
+              <a:defRPr sz="1700" b="1"/>
             </a:lvl9pPr>
           </a:lstStyle>
           <a:p>
@@ -1679,39 +1679,39 @@
         </p:nvSpPr>
         <p:spPr>
           <a:xfrm>
-            <a:off x="4938570" y="2625959"/>
-            <a:ext cx="4297193" cy="4770814"/>
+            <a:off x="5761128" y="2340507"/>
+            <a:ext cx="5012924" cy="4252208"/>
           </a:xfrm>
         </p:spPr>
         <p:txBody>
           <a:bodyPr/>
           <a:lstStyle>
             <a:lvl1pPr>
-              <a:defRPr sz="2400"/>
+              <a:defRPr sz="2500"/>
             </a:lvl1pPr>
             <a:lvl2pPr>
-              <a:defRPr sz="2000"/>
+              <a:defRPr sz="2100"/>
             </a:lvl2pPr>
             <a:lvl3pPr>
-              <a:defRPr sz="1800"/>
+              <a:defRPr sz="1900"/>
             </a:lvl3pPr>
             <a:lvl4pPr>
-              <a:defRPr sz="1600"/>
+              <a:defRPr sz="1700"/>
             </a:lvl4pPr>
             <a:lvl5pPr>
-              <a:defRPr sz="1600"/>
+              <a:defRPr sz="1700"/>
             </a:lvl5pPr>
             <a:lvl6pPr>
-              <a:defRPr sz="1600"/>
+              <a:defRPr sz="1700"/>
             </a:lvl6pPr>
             <a:lvl7pPr>
-              <a:defRPr sz="1600"/>
+              <a:defRPr sz="1700"/>
             </a:lvl7pPr>
             <a:lvl8pPr>
-              <a:defRPr sz="1600"/>
+              <a:defRPr sz="1700"/>
             </a:lvl8pPr>
             <a:lvl9pPr>
-              <a:defRPr sz="1600"/>
+              <a:defRPr sz="1700"/>
             </a:lvl9pPr>
           </a:lstStyle>
           <a:p>
@@ -1769,7 +1769,7 @@
           <a:p>
             <a:fld id="{87B95B6F-78E1-4637-9023-649F366F8102}" type="datetimeFigureOut">
               <a:rPr lang="en-GB" smtClean="0"/>
-              <a:t>14/07/2014</a:t>
+              <a:t>25/08/2014</a:t>
             </a:fld>
             <a:endParaRPr lang="en-GB"/>
           </a:p>
@@ -1887,7 +1887,7 @@
           <a:p>
             <a:fld id="{87B95B6F-78E1-4637-9023-649F366F8102}" type="datetimeFigureOut">
               <a:rPr lang="en-GB" smtClean="0"/>
-              <a:t>14/07/2014</a:t>
+              <a:t>25/08/2014</a:t>
             </a:fld>
             <a:endParaRPr lang="en-GB"/>
           </a:p>
@@ -1982,7 +1982,7 @@
           <a:p>
             <a:fld id="{87B95B6F-78E1-4637-9023-649F366F8102}" type="datetimeFigureOut">
               <a:rPr lang="en-GB" smtClean="0"/>
-              <a:t>14/07/2014</a:t>
+              <a:t>25/08/2014</a:t>
             </a:fld>
             <a:endParaRPr lang="en-GB"/>
           </a:p>
@@ -2072,15 +2072,15 @@
         </p:nvSpPr>
         <p:spPr>
           <a:xfrm>
-            <a:off x="486095" y="329684"/>
-            <a:ext cx="3198421" cy="1403067"/>
+            <a:off x="567059" y="293847"/>
+            <a:ext cx="3731143" cy="1250548"/>
           </a:xfrm>
         </p:spPr>
         <p:txBody>
           <a:bodyPr anchor="b"/>
           <a:lstStyle>
             <a:lvl1pPr algn="l">
-              <a:defRPr sz="2000" b="1"/>
+              <a:defRPr sz="2100" b="1"/>
             </a:lvl1pPr>
           </a:lstStyle>
           <a:p>
@@ -2104,39 +2104,39 @@
         </p:nvSpPr>
         <p:spPr>
           <a:xfrm>
-            <a:off x="3800977" y="329686"/>
-            <a:ext cx="5434786" cy="7067091"/>
+            <a:off x="4434061" y="293848"/>
+            <a:ext cx="6339992" cy="6298871"/>
           </a:xfrm>
         </p:spPr>
         <p:txBody>
           <a:bodyPr/>
           <a:lstStyle>
             <a:lvl1pPr>
-              <a:defRPr sz="3200"/>
+              <a:defRPr sz="3300"/>
             </a:lvl1pPr>
             <a:lvl2pPr>
-              <a:defRPr sz="2800"/>
+              <a:defRPr sz="2900"/>
             </a:lvl2pPr>
             <a:lvl3pPr>
-              <a:defRPr sz="2400"/>
+              <a:defRPr sz="2500"/>
             </a:lvl3pPr>
             <a:lvl4pPr>
-              <a:defRPr sz="2000"/>
+              <a:defRPr sz="2100"/>
             </a:lvl4pPr>
             <a:lvl5pPr>
-              <a:defRPr sz="2000"/>
+              <a:defRPr sz="2100"/>
             </a:lvl5pPr>
             <a:lvl6pPr>
-              <a:defRPr sz="2000"/>
+              <a:defRPr sz="2100"/>
             </a:lvl6pPr>
             <a:lvl7pPr>
-              <a:defRPr sz="2000"/>
+              <a:defRPr sz="2100"/>
             </a:lvl7pPr>
             <a:lvl8pPr>
-              <a:defRPr sz="2000"/>
+              <a:defRPr sz="2100"/>
             </a:lvl8pPr>
             <a:lvl9pPr>
-              <a:defRPr sz="2000"/>
+              <a:defRPr sz="2100"/>
             </a:lvl9pPr>
           </a:lstStyle>
           <a:p>
@@ -2189,8 +2189,8 @@
         </p:nvSpPr>
         <p:spPr>
           <a:xfrm>
-            <a:off x="486095" y="1732752"/>
-            <a:ext cx="3198421" cy="5664024"/>
+            <a:off x="567059" y="1544395"/>
+            <a:ext cx="3731143" cy="5048322"/>
           </a:xfrm>
         </p:spPr>
         <p:txBody>
@@ -2198,37 +2198,37 @@
           <a:lstStyle>
             <a:lvl1pPr marL="0" indent="0">
               <a:buNone/>
-              <a:defRPr sz="1400"/>
+              <a:defRPr sz="1500"/>
             </a:lvl1pPr>
-            <a:lvl2pPr marL="457200" indent="0">
+            <a:lvl2pPr marL="475488" indent="0">
               <a:buNone/>
               <a:defRPr sz="1200"/>
             </a:lvl2pPr>
-            <a:lvl3pPr marL="914400" indent="0">
+            <a:lvl3pPr marL="950976" indent="0">
               <a:buNone/>
               <a:defRPr sz="1000"/>
             </a:lvl3pPr>
-            <a:lvl4pPr marL="1371600" indent="0">
+            <a:lvl4pPr marL="1426464" indent="0">
               <a:buNone/>
               <a:defRPr sz="900"/>
             </a:lvl4pPr>
-            <a:lvl5pPr marL="1828800" indent="0">
+            <a:lvl5pPr marL="1901952" indent="0">
               <a:buNone/>
               <a:defRPr sz="900"/>
             </a:lvl5pPr>
-            <a:lvl6pPr marL="2286000" indent="0">
+            <a:lvl6pPr marL="2377440" indent="0">
               <a:buNone/>
               <a:defRPr sz="900"/>
             </a:lvl6pPr>
-            <a:lvl7pPr marL="2743200" indent="0">
+            <a:lvl7pPr marL="2852928" indent="0">
               <a:buNone/>
               <a:defRPr sz="900"/>
             </a:lvl7pPr>
-            <a:lvl8pPr marL="3200400" indent="0">
+            <a:lvl8pPr marL="3328416" indent="0">
               <a:buNone/>
               <a:defRPr sz="900"/>
             </a:lvl8pPr>
-            <a:lvl9pPr marL="3657600" indent="0">
+            <a:lvl9pPr marL="3803904" indent="0">
               <a:buNone/>
               <a:defRPr sz="900"/>
             </a:lvl9pPr>
@@ -2259,7 +2259,7 @@
           <a:p>
             <a:fld id="{87B95B6F-78E1-4637-9023-649F366F8102}" type="datetimeFigureOut">
               <a:rPr lang="en-GB" smtClean="0"/>
-              <a:t>14/07/2014</a:t>
+              <a:t>25/08/2014</a:t>
             </a:fld>
             <a:endParaRPr lang="en-GB"/>
           </a:p>
@@ -2349,15 +2349,15 @@
         </p:nvSpPr>
         <p:spPr>
           <a:xfrm>
-            <a:off x="1905554" y="5796294"/>
-            <a:ext cx="5833110" cy="684283"/>
+            <a:off x="2222939" y="5166215"/>
+            <a:ext cx="6804660" cy="609898"/>
           </a:xfrm>
         </p:spPr>
         <p:txBody>
           <a:bodyPr anchor="b"/>
           <a:lstStyle>
             <a:lvl1pPr algn="l">
-              <a:defRPr sz="2000" b="1"/>
+              <a:defRPr sz="2100" b="1"/>
             </a:lvl1pPr>
           </a:lstStyle>
           <a:p>
@@ -2381,8 +2381,8 @@
         </p:nvSpPr>
         <p:spPr>
           <a:xfrm>
-            <a:off x="1905554" y="739869"/>
-            <a:ext cx="5833110" cy="4968240"/>
+            <a:off x="2222939" y="659443"/>
+            <a:ext cx="6804660" cy="4428173"/>
           </a:xfrm>
         </p:spPr>
         <p:txBody>
@@ -2390,39 +2390,39 @@
           <a:lstStyle>
             <a:lvl1pPr marL="0" indent="0">
               <a:buNone/>
-              <a:defRPr sz="3200"/>
+              <a:defRPr sz="3300"/>
             </a:lvl1pPr>
-            <a:lvl2pPr marL="457200" indent="0">
-              <a:buNone/>
-              <a:defRPr sz="2800"/>
+            <a:lvl2pPr marL="475488" indent="0">
+              <a:buNone/>
+              <a:defRPr sz="2900"/>
             </a:lvl2pPr>
-            <a:lvl3pPr marL="914400" indent="0">
-              <a:buNone/>
-              <a:defRPr sz="2400"/>
+            <a:lvl3pPr marL="950976" indent="0">
+              <a:buNone/>
+              <a:defRPr sz="2500"/>
             </a:lvl3pPr>
-            <a:lvl4pPr marL="1371600" indent="0">
-              <a:buNone/>
-              <a:defRPr sz="2000"/>
+            <a:lvl4pPr marL="1426464" indent="0">
+              <a:buNone/>
+              <a:defRPr sz="2100"/>
             </a:lvl4pPr>
-            <a:lvl5pPr marL="1828800" indent="0">
-              <a:buNone/>
-              <a:defRPr sz="2000"/>
+            <a:lvl5pPr marL="1901952" indent="0">
+              <a:buNone/>
+              <a:defRPr sz="2100"/>
             </a:lvl5pPr>
-            <a:lvl6pPr marL="2286000" indent="0">
-              <a:buNone/>
-              <a:defRPr sz="2000"/>
+            <a:lvl6pPr marL="2377440" indent="0">
+              <a:buNone/>
+              <a:defRPr sz="2100"/>
             </a:lvl6pPr>
-            <a:lvl7pPr marL="2743200" indent="0">
-              <a:buNone/>
-              <a:defRPr sz="2000"/>
+            <a:lvl7pPr marL="2852928" indent="0">
+              <a:buNone/>
+              <a:defRPr sz="2100"/>
             </a:lvl7pPr>
-            <a:lvl8pPr marL="3200400" indent="0">
-              <a:buNone/>
-              <a:defRPr sz="2000"/>
+            <a:lvl8pPr marL="3328416" indent="0">
+              <a:buNone/>
+              <a:defRPr sz="2100"/>
             </a:lvl8pPr>
-            <a:lvl9pPr marL="3657600" indent="0">
-              <a:buNone/>
-              <a:defRPr sz="2000"/>
+            <a:lvl9pPr marL="3803904" indent="0">
+              <a:buNone/>
+              <a:defRPr sz="2100"/>
             </a:lvl9pPr>
           </a:lstStyle>
           <a:p>
@@ -2442,8 +2442,8 @@
         </p:nvSpPr>
         <p:spPr>
           <a:xfrm>
-            <a:off x="1905554" y="6480577"/>
-            <a:ext cx="5833110" cy="971797"/>
+            <a:off x="2222939" y="5776114"/>
+            <a:ext cx="6804660" cy="866160"/>
           </a:xfrm>
         </p:spPr>
         <p:txBody>
@@ -2451,37 +2451,37 @@
           <a:lstStyle>
             <a:lvl1pPr marL="0" indent="0">
               <a:buNone/>
-              <a:defRPr sz="1400"/>
+              <a:defRPr sz="1500"/>
             </a:lvl1pPr>
-            <a:lvl2pPr marL="457200" indent="0">
+            <a:lvl2pPr marL="475488" indent="0">
               <a:buNone/>
               <a:defRPr sz="1200"/>
             </a:lvl2pPr>
-            <a:lvl3pPr marL="914400" indent="0">
+            <a:lvl3pPr marL="950976" indent="0">
               <a:buNone/>
               <a:defRPr sz="1000"/>
             </a:lvl3pPr>
-            <a:lvl4pPr marL="1371600" indent="0">
+            <a:lvl4pPr marL="1426464" indent="0">
               <a:buNone/>
               <a:defRPr sz="900"/>
             </a:lvl4pPr>
-            <a:lvl5pPr marL="1828800" indent="0">
+            <a:lvl5pPr marL="1901952" indent="0">
               <a:buNone/>
               <a:defRPr sz="900"/>
             </a:lvl5pPr>
-            <a:lvl6pPr marL="2286000" indent="0">
+            <a:lvl6pPr marL="2377440" indent="0">
               <a:buNone/>
               <a:defRPr sz="900"/>
             </a:lvl6pPr>
-            <a:lvl7pPr marL="2743200" indent="0">
+            <a:lvl7pPr marL="2852928" indent="0">
               <a:buNone/>
               <a:defRPr sz="900"/>
             </a:lvl7pPr>
-            <a:lvl8pPr marL="3200400" indent="0">
+            <a:lvl8pPr marL="3328416" indent="0">
               <a:buNone/>
               <a:defRPr sz="900"/>
             </a:lvl8pPr>
-            <a:lvl9pPr marL="3657600" indent="0">
+            <a:lvl9pPr marL="3803904" indent="0">
               <a:buNone/>
               <a:defRPr sz="900"/>
             </a:lvl9pPr>
@@ -2512,7 +2512,7 @@
           <a:p>
             <a:fld id="{87B95B6F-78E1-4637-9023-649F366F8102}" type="datetimeFigureOut">
               <a:rPr lang="en-GB" smtClean="0"/>
-              <a:t>14/07/2014</a:t>
+              <a:t>25/08/2014</a:t>
             </a:fld>
             <a:endParaRPr lang="en-GB"/>
           </a:p>
@@ -2607,15 +2607,15 @@
         </p:nvSpPr>
         <p:spPr>
           <a:xfrm>
-            <a:off x="486095" y="331615"/>
-            <a:ext cx="8749665" cy="1380067"/>
+            <a:off x="567060" y="295569"/>
+            <a:ext cx="10206990" cy="1230048"/>
           </a:xfrm>
           <a:prstGeom prst="rect">
             <a:avLst/>
           </a:prstGeom>
         </p:spPr>
         <p:txBody>
-          <a:bodyPr vert="horz" lIns="91440" tIns="45720" rIns="91440" bIns="45720" rtlCol="0" anchor="ctr">
+          <a:bodyPr vert="horz" lIns="95098" tIns="47549" rIns="95098" bIns="47549" rtlCol="0" anchor="ctr">
             <a:normAutofit/>
           </a:bodyPr>
           <a:lstStyle/>
@@ -2640,15 +2640,15 @@
         </p:nvSpPr>
         <p:spPr>
           <a:xfrm>
-            <a:off x="486095" y="1932106"/>
-            <a:ext cx="8749665" cy="5464682"/>
+            <a:off x="567060" y="1722079"/>
+            <a:ext cx="10206990" cy="4870650"/>
           </a:xfrm>
           <a:prstGeom prst="rect">
             <a:avLst/>
           </a:prstGeom>
         </p:spPr>
         <p:txBody>
-          <a:bodyPr vert="horz" lIns="91440" tIns="45720" rIns="91440" bIns="45720" rtlCol="0">
+          <a:bodyPr vert="horz" lIns="95098" tIns="47549" rIns="95098" bIns="47549" rtlCol="0">
             <a:normAutofit/>
           </a:bodyPr>
           <a:lstStyle/>
@@ -2702,15 +2702,15 @@
         </p:nvSpPr>
         <p:spPr>
           <a:xfrm>
-            <a:off x="486094" y="7674720"/>
-            <a:ext cx="2268434" cy="440855"/>
+            <a:off x="567057" y="6840448"/>
+            <a:ext cx="2646260" cy="392933"/>
           </a:xfrm>
           <a:prstGeom prst="rect">
             <a:avLst/>
           </a:prstGeom>
         </p:spPr>
         <p:txBody>
-          <a:bodyPr vert="horz" lIns="91440" tIns="45720" rIns="91440" bIns="45720" rtlCol="0" anchor="ctr"/>
+          <a:bodyPr vert="horz" lIns="95098" tIns="47549" rIns="95098" bIns="47549" rtlCol="0" anchor="ctr"/>
           <a:lstStyle>
             <a:lvl1pPr algn="l">
               <a:defRPr sz="1200">
@@ -2725,7 +2725,7 @@
           <a:p>
             <a:fld id="{87B95B6F-78E1-4637-9023-649F366F8102}" type="datetimeFigureOut">
               <a:rPr lang="en-GB" smtClean="0"/>
-              <a:t>14/07/2014</a:t>
+              <a:t>25/08/2014</a:t>
             </a:fld>
             <a:endParaRPr lang="en-GB"/>
           </a:p>
@@ -2743,15 +2743,15 @@
         </p:nvSpPr>
         <p:spPr>
           <a:xfrm>
-            <a:off x="3321636" y="7674720"/>
-            <a:ext cx="3078585" cy="440855"/>
+            <a:off x="3874882" y="6840448"/>
+            <a:ext cx="3591348" cy="392933"/>
           </a:xfrm>
           <a:prstGeom prst="rect">
             <a:avLst/>
           </a:prstGeom>
         </p:spPr>
         <p:txBody>
-          <a:bodyPr vert="horz" lIns="91440" tIns="45720" rIns="91440" bIns="45720" rtlCol="0" anchor="ctr"/>
+          <a:bodyPr vert="horz" lIns="95098" tIns="47549" rIns="95098" bIns="47549" rtlCol="0" anchor="ctr"/>
           <a:lstStyle>
             <a:lvl1pPr algn="ctr">
               <a:defRPr sz="1200">
@@ -2780,15 +2780,15 @@
         </p:nvSpPr>
         <p:spPr>
           <a:xfrm>
-            <a:off x="6967328" y="7674720"/>
-            <a:ext cx="2268434" cy="440855"/>
+            <a:off x="8127791" y="6840448"/>
+            <a:ext cx="2646260" cy="392933"/>
           </a:xfrm>
           <a:prstGeom prst="rect">
             <a:avLst/>
           </a:prstGeom>
         </p:spPr>
         <p:txBody>
-          <a:bodyPr vert="horz" lIns="91440" tIns="45720" rIns="91440" bIns="45720" rtlCol="0" anchor="ctr"/>
+          <a:bodyPr vert="horz" lIns="95098" tIns="47549" rIns="95098" bIns="47549" rtlCol="0" anchor="ctr"/>
           <a:lstStyle>
             <a:lvl1pPr algn="r">
               <a:defRPr sz="1200">
@@ -2832,12 +2832,12 @@
   </p:sldLayoutIdLst>
   <p:txStyles>
     <p:titleStyle>
-      <a:lvl1pPr algn="ctr" defTabSz="914400" rtl="0" eaLnBrk="1" latinLnBrk="0" hangingPunct="1">
+      <a:lvl1pPr algn="ctr" defTabSz="950976" rtl="0" eaLnBrk="1" latinLnBrk="0" hangingPunct="1">
         <a:spcBef>
           <a:spcPct val="0"/>
         </a:spcBef>
         <a:buNone/>
-        <a:defRPr sz="4400" kern="1200">
+        <a:defRPr sz="4600" kern="1200">
           <a:solidFill>
             <a:schemeClr val="tx1"/>
           </a:solidFill>
@@ -2848,13 +2848,13 @@
       </a:lvl1pPr>
     </p:titleStyle>
     <p:bodyStyle>
-      <a:lvl1pPr marL="342900" indent="-342900" algn="l" defTabSz="914400" rtl="0" eaLnBrk="1" latinLnBrk="0" hangingPunct="1">
+      <a:lvl1pPr marL="356616" indent="-356616" algn="l" defTabSz="950976" rtl="0" eaLnBrk="1" latinLnBrk="0" hangingPunct="1">
         <a:spcBef>
           <a:spcPct val="20000"/>
         </a:spcBef>
         <a:buFont typeface="Arial" panose="020B0604020202020204" pitchFamily="34" charset="0"/>
         <a:buChar char="•"/>
-        <a:defRPr sz="3200" kern="1200">
+        <a:defRPr sz="3300" kern="1200">
           <a:solidFill>
             <a:schemeClr val="tx1"/>
           </a:solidFill>
@@ -2863,13 +2863,13 @@
           <a:cs typeface="+mn-cs"/>
         </a:defRPr>
       </a:lvl1pPr>
-      <a:lvl2pPr marL="742950" indent="-285750" algn="l" defTabSz="914400" rtl="0" eaLnBrk="1" latinLnBrk="0" hangingPunct="1">
+      <a:lvl2pPr marL="772668" indent="-297180" algn="l" defTabSz="950976" rtl="0" eaLnBrk="1" latinLnBrk="0" hangingPunct="1">
         <a:spcBef>
           <a:spcPct val="20000"/>
         </a:spcBef>
         <a:buFont typeface="Arial" panose="020B0604020202020204" pitchFamily="34" charset="0"/>
         <a:buChar char="–"/>
-        <a:defRPr sz="2800" kern="1200">
+        <a:defRPr sz="2900" kern="1200">
           <a:solidFill>
             <a:schemeClr val="tx1"/>
           </a:solidFill>
@@ -2878,13 +2878,13 @@
           <a:cs typeface="+mn-cs"/>
         </a:defRPr>
       </a:lvl2pPr>
-      <a:lvl3pPr marL="1143000" indent="-228600" algn="l" defTabSz="914400" rtl="0" eaLnBrk="1" latinLnBrk="0" hangingPunct="1">
+      <a:lvl3pPr marL="1188720" indent="-237744" algn="l" defTabSz="950976" rtl="0" eaLnBrk="1" latinLnBrk="0" hangingPunct="1">
         <a:spcBef>
           <a:spcPct val="20000"/>
         </a:spcBef>
         <a:buFont typeface="Arial" panose="020B0604020202020204" pitchFamily="34" charset="0"/>
         <a:buChar char="•"/>
-        <a:defRPr sz="2400" kern="1200">
+        <a:defRPr sz="2500" kern="1200">
           <a:solidFill>
             <a:schemeClr val="tx1"/>
           </a:solidFill>
@@ -2893,13 +2893,13 @@
           <a:cs typeface="+mn-cs"/>
         </a:defRPr>
       </a:lvl3pPr>
-      <a:lvl4pPr marL="1600200" indent="-228600" algn="l" defTabSz="914400" rtl="0" eaLnBrk="1" latinLnBrk="0" hangingPunct="1">
+      <a:lvl4pPr marL="1664208" indent="-237744" algn="l" defTabSz="950976" rtl="0" eaLnBrk="1" latinLnBrk="0" hangingPunct="1">
         <a:spcBef>
           <a:spcPct val="20000"/>
         </a:spcBef>
         <a:buFont typeface="Arial" panose="020B0604020202020204" pitchFamily="34" charset="0"/>
         <a:buChar char="–"/>
-        <a:defRPr sz="2000" kern="1200">
+        <a:defRPr sz="2100" kern="1200">
           <a:solidFill>
             <a:schemeClr val="tx1"/>
           </a:solidFill>
@@ -2908,13 +2908,13 @@
           <a:cs typeface="+mn-cs"/>
         </a:defRPr>
       </a:lvl4pPr>
-      <a:lvl5pPr marL="2057400" indent="-228600" algn="l" defTabSz="914400" rtl="0" eaLnBrk="1" latinLnBrk="0" hangingPunct="1">
+      <a:lvl5pPr marL="2139696" indent="-237744" algn="l" defTabSz="950976" rtl="0" eaLnBrk="1" latinLnBrk="0" hangingPunct="1">
         <a:spcBef>
           <a:spcPct val="20000"/>
         </a:spcBef>
         <a:buFont typeface="Arial" panose="020B0604020202020204" pitchFamily="34" charset="0"/>
         <a:buChar char="»"/>
-        <a:defRPr sz="2000" kern="1200">
+        <a:defRPr sz="2100" kern="1200">
           <a:solidFill>
             <a:schemeClr val="tx1"/>
           </a:solidFill>
@@ -2923,13 +2923,13 @@
           <a:cs typeface="+mn-cs"/>
         </a:defRPr>
       </a:lvl5pPr>
-      <a:lvl6pPr marL="2514600" indent="-228600" algn="l" defTabSz="914400" rtl="0" eaLnBrk="1" latinLnBrk="0" hangingPunct="1">
+      <a:lvl6pPr marL="2615184" indent="-237744" algn="l" defTabSz="950976" rtl="0" eaLnBrk="1" latinLnBrk="0" hangingPunct="1">
         <a:spcBef>
           <a:spcPct val="20000"/>
         </a:spcBef>
         <a:buFont typeface="Arial" panose="020B0604020202020204" pitchFamily="34" charset="0"/>
         <a:buChar char="•"/>
-        <a:defRPr sz="2000" kern="1200">
+        <a:defRPr sz="2100" kern="1200">
           <a:solidFill>
             <a:schemeClr val="tx1"/>
           </a:solidFill>
@@ -2938,13 +2938,13 @@
           <a:cs typeface="+mn-cs"/>
         </a:defRPr>
       </a:lvl6pPr>
-      <a:lvl7pPr marL="2971800" indent="-228600" algn="l" defTabSz="914400" rtl="0" eaLnBrk="1" latinLnBrk="0" hangingPunct="1">
+      <a:lvl7pPr marL="3090672" indent="-237744" algn="l" defTabSz="950976" rtl="0" eaLnBrk="1" latinLnBrk="0" hangingPunct="1">
         <a:spcBef>
           <a:spcPct val="20000"/>
         </a:spcBef>
         <a:buFont typeface="Arial" panose="020B0604020202020204" pitchFamily="34" charset="0"/>
         <a:buChar char="•"/>
-        <a:defRPr sz="2000" kern="1200">
+        <a:defRPr sz="2100" kern="1200">
           <a:solidFill>
             <a:schemeClr val="tx1"/>
           </a:solidFill>
@@ -2953,13 +2953,13 @@
           <a:cs typeface="+mn-cs"/>
         </a:defRPr>
       </a:lvl7pPr>
-      <a:lvl8pPr marL="3429000" indent="-228600" algn="l" defTabSz="914400" rtl="0" eaLnBrk="1" latinLnBrk="0" hangingPunct="1">
+      <a:lvl8pPr marL="3566160" indent="-237744" algn="l" defTabSz="950976" rtl="0" eaLnBrk="1" latinLnBrk="0" hangingPunct="1">
         <a:spcBef>
           <a:spcPct val="20000"/>
         </a:spcBef>
         <a:buFont typeface="Arial" panose="020B0604020202020204" pitchFamily="34" charset="0"/>
         <a:buChar char="•"/>
-        <a:defRPr sz="2000" kern="1200">
+        <a:defRPr sz="2100" kern="1200">
           <a:solidFill>
             <a:schemeClr val="tx1"/>
           </a:solidFill>
@@ -2968,13 +2968,13 @@
           <a:cs typeface="+mn-cs"/>
         </a:defRPr>
       </a:lvl8pPr>
-      <a:lvl9pPr marL="3886200" indent="-228600" algn="l" defTabSz="914400" rtl="0" eaLnBrk="1" latinLnBrk="0" hangingPunct="1">
+      <a:lvl9pPr marL="4041648" indent="-237744" algn="l" defTabSz="950976" rtl="0" eaLnBrk="1" latinLnBrk="0" hangingPunct="1">
         <a:spcBef>
           <a:spcPct val="20000"/>
         </a:spcBef>
         <a:buFont typeface="Arial" panose="020B0604020202020204" pitchFamily="34" charset="0"/>
         <a:buChar char="•"/>
-        <a:defRPr sz="2000" kern="1200">
+        <a:defRPr sz="2100" kern="1200">
           <a:solidFill>
             <a:schemeClr val="tx1"/>
           </a:solidFill>
@@ -2988,8 +2988,8 @@
       <a:defPPr>
         <a:defRPr lang="en-US"/>
       </a:defPPr>
-      <a:lvl1pPr marL="0" algn="l" defTabSz="914400" rtl="0" eaLnBrk="1" latinLnBrk="0" hangingPunct="1">
-        <a:defRPr sz="1800" kern="1200">
+      <a:lvl1pPr marL="0" algn="l" defTabSz="950976" rtl="0" eaLnBrk="1" latinLnBrk="0" hangingPunct="1">
+        <a:defRPr sz="1900" kern="1200">
           <a:solidFill>
             <a:schemeClr val="tx1"/>
           </a:solidFill>
@@ -2998,8 +2998,8 @@
           <a:cs typeface="+mn-cs"/>
         </a:defRPr>
       </a:lvl1pPr>
-      <a:lvl2pPr marL="457200" algn="l" defTabSz="914400" rtl="0" eaLnBrk="1" latinLnBrk="0" hangingPunct="1">
-        <a:defRPr sz="1800" kern="1200">
+      <a:lvl2pPr marL="475488" algn="l" defTabSz="950976" rtl="0" eaLnBrk="1" latinLnBrk="0" hangingPunct="1">
+        <a:defRPr sz="1900" kern="1200">
           <a:solidFill>
             <a:schemeClr val="tx1"/>
           </a:solidFill>
@@ -3008,8 +3008,8 @@
           <a:cs typeface="+mn-cs"/>
         </a:defRPr>
       </a:lvl2pPr>
-      <a:lvl3pPr marL="914400" algn="l" defTabSz="914400" rtl="0" eaLnBrk="1" latinLnBrk="0" hangingPunct="1">
-        <a:defRPr sz="1800" kern="1200">
+      <a:lvl3pPr marL="950976" algn="l" defTabSz="950976" rtl="0" eaLnBrk="1" latinLnBrk="0" hangingPunct="1">
+        <a:defRPr sz="1900" kern="1200">
           <a:solidFill>
             <a:schemeClr val="tx1"/>
           </a:solidFill>
@@ -3018,8 +3018,8 @@
           <a:cs typeface="+mn-cs"/>
         </a:defRPr>
       </a:lvl3pPr>
-      <a:lvl4pPr marL="1371600" algn="l" defTabSz="914400" rtl="0" eaLnBrk="1" latinLnBrk="0" hangingPunct="1">
-        <a:defRPr sz="1800" kern="1200">
+      <a:lvl4pPr marL="1426464" algn="l" defTabSz="950976" rtl="0" eaLnBrk="1" latinLnBrk="0" hangingPunct="1">
+        <a:defRPr sz="1900" kern="1200">
           <a:solidFill>
             <a:schemeClr val="tx1"/>
           </a:solidFill>
@@ -3028,8 +3028,8 @@
           <a:cs typeface="+mn-cs"/>
         </a:defRPr>
       </a:lvl4pPr>
-      <a:lvl5pPr marL="1828800" algn="l" defTabSz="914400" rtl="0" eaLnBrk="1" latinLnBrk="0" hangingPunct="1">
-        <a:defRPr sz="1800" kern="1200">
+      <a:lvl5pPr marL="1901952" algn="l" defTabSz="950976" rtl="0" eaLnBrk="1" latinLnBrk="0" hangingPunct="1">
+        <a:defRPr sz="1900" kern="1200">
           <a:solidFill>
             <a:schemeClr val="tx1"/>
           </a:solidFill>
@@ -3038,8 +3038,8 @@
           <a:cs typeface="+mn-cs"/>
         </a:defRPr>
       </a:lvl5pPr>
-      <a:lvl6pPr marL="2286000" algn="l" defTabSz="914400" rtl="0" eaLnBrk="1" latinLnBrk="0" hangingPunct="1">
-        <a:defRPr sz="1800" kern="1200">
+      <a:lvl6pPr marL="2377440" algn="l" defTabSz="950976" rtl="0" eaLnBrk="1" latinLnBrk="0" hangingPunct="1">
+        <a:defRPr sz="1900" kern="1200">
           <a:solidFill>
             <a:schemeClr val="tx1"/>
           </a:solidFill>
@@ -3048,8 +3048,8 @@
           <a:cs typeface="+mn-cs"/>
         </a:defRPr>
       </a:lvl6pPr>
-      <a:lvl7pPr marL="2743200" algn="l" defTabSz="914400" rtl="0" eaLnBrk="1" latinLnBrk="0" hangingPunct="1">
-        <a:defRPr sz="1800" kern="1200">
+      <a:lvl7pPr marL="2852928" algn="l" defTabSz="950976" rtl="0" eaLnBrk="1" latinLnBrk="0" hangingPunct="1">
+        <a:defRPr sz="1900" kern="1200">
           <a:solidFill>
             <a:schemeClr val="tx1"/>
           </a:solidFill>
@@ -3058,8 +3058,8 @@
           <a:cs typeface="+mn-cs"/>
         </a:defRPr>
       </a:lvl7pPr>
-      <a:lvl8pPr marL="3200400" algn="l" defTabSz="914400" rtl="0" eaLnBrk="1" latinLnBrk="0" hangingPunct="1">
-        <a:defRPr sz="1800" kern="1200">
+      <a:lvl8pPr marL="3328416" algn="l" defTabSz="950976" rtl="0" eaLnBrk="1" latinLnBrk="0" hangingPunct="1">
+        <a:defRPr sz="1900" kern="1200">
           <a:solidFill>
             <a:schemeClr val="tx1"/>
           </a:solidFill>
@@ -3068,8 +3068,8 @@
           <a:cs typeface="+mn-cs"/>
         </a:defRPr>
       </a:lvl8pPr>
-      <a:lvl9pPr marL="3657600" algn="l" defTabSz="914400" rtl="0" eaLnBrk="1" latinLnBrk="0" hangingPunct="1">
-        <a:defRPr sz="1800" kern="1200">
+      <a:lvl9pPr marL="3803904" algn="l" defTabSz="950976" rtl="0" eaLnBrk="1" latinLnBrk="0" hangingPunct="1">
+        <a:defRPr sz="1900" kern="1200">
           <a:solidFill>
             <a:schemeClr val="tx1"/>
           </a:solidFill>
@@ -3102,7 +3102,7 @@
       </p:grpSpPr>
       <p:pic>
         <p:nvPicPr>
-          <p:cNvPr id="18" name="Picture 4" descr="Silicon Production Process"/>
+          <p:cNvPr id="100" name="Picture 2" descr="http://upload.wikimedia.org/wikipedia/commons/b/bf/Replica-of-first-transistor.jpg"/>
           <p:cNvPicPr>
             <a:picLocks noChangeAspect="1" noChangeArrowheads="1"/>
           </p:cNvPicPr>
@@ -3123,8 +3123,8 @@
         </p:blipFill>
         <p:spPr bwMode="auto">
           <a:xfrm>
-            <a:off x="-31134" y="3459180"/>
-            <a:ext cx="9819831" cy="4821790"/>
+            <a:off x="3002100" y="13543"/>
+            <a:ext cx="4019065" cy="3601083"/>
           </a:xfrm>
           <a:prstGeom prst="rect">
             <a:avLst/>
@@ -3141,56 +3141,45 @@
           </a:extLst>
         </p:spPr>
       </p:pic>
-      <p:pic>
-        <p:nvPicPr>
-          <p:cNvPr id="19" name="Picture 2" descr="http://upload.wikimedia.org/wikipedia/commons/b/bf/Replica-of-first-transistor.jpg"/>
-          <p:cNvPicPr>
-            <a:picLocks noChangeAspect="1" noChangeArrowheads="1"/>
-          </p:cNvPicPr>
+      <p:sp>
+        <p:nvSpPr>
+          <p:cNvPr id="101" name="TextBox 100"/>
+          <p:cNvSpPr txBox="1"/>
           <p:nvPr/>
-        </p:nvPicPr>
-        <p:blipFill>
-          <a:blip r:embed="rId3">
-            <a:extLst>
-              <a:ext uri="{28A0092B-C50C-407E-A947-70E740481C1C}">
-                <a14:useLocalDpi xmlns:a14="http://schemas.microsoft.com/office/drawing/2010/main" val="0"/>
-              </a:ext>
-            </a:extLst>
-          </a:blip>
-          <a:srcRect/>
-          <a:stretch>
-            <a:fillRect/>
-          </a:stretch>
-        </p:blipFill>
-        <p:spPr bwMode="auto">
-          <a:xfrm>
-            <a:off x="3002100" y="-5506"/>
-            <a:ext cx="3816424" cy="3419516"/>
+        </p:nvSpPr>
+        <p:spPr>
+          <a:xfrm>
+            <a:off x="2389524" y="48741"/>
+            <a:ext cx="612576" cy="477054"/>
           </a:xfrm>
           <a:prstGeom prst="rect">
             <a:avLst/>
           </a:prstGeom>
           <a:noFill/>
-          <a:extLst>
-            <a:ext uri="{909E8E84-426E-40DD-AFC4-6F175D3DCCD1}">
-              <a14:hiddenFill xmlns:a14="http://schemas.microsoft.com/office/drawing/2010/main">
-                <a:solidFill>
-                  <a:srgbClr val="FFFFFF"/>
-                </a:solidFill>
-              </a14:hiddenFill>
-            </a:ext>
-          </a:extLst>
-        </p:spPr>
-      </p:pic>
-      <p:sp>
-        <p:nvSpPr>
-          <p:cNvPr id="20" name="TextBox 19"/>
+        </p:spPr>
+        <p:txBody>
+          <a:bodyPr wrap="square" rtlCol="0">
+            <a:spAutoFit/>
+          </a:bodyPr>
+          <a:lstStyle/>
+          <a:p>
+            <a:r>
+              <a:rPr lang="en-GB" sz="2500" dirty="0" smtClean="0"/>
+              <a:t>(a)</a:t>
+            </a:r>
+            <a:endParaRPr lang="en-GB" sz="2500" dirty="0"/>
+          </a:p>
+        </p:txBody>
+      </p:sp>
+      <p:sp>
+        <p:nvSpPr>
+          <p:cNvPr id="102" name="TextBox 101"/>
           <p:cNvSpPr txBox="1"/>
           <p:nvPr/>
         </p:nvSpPr>
         <p:spPr>
           <a:xfrm>
-            <a:off x="2389524" y="29691"/>
+            <a:off x="-12543" y="3554509"/>
             <a:ext cx="612576" cy="477054"/>
           </a:xfrm>
           <a:prstGeom prst="rect">
@@ -3206,7 +3195,7 @@
           <a:p>
             <a:r>
               <a:rPr lang="en-GB" sz="2500" dirty="0" smtClean="0"/>
-              <a:t>(a)</a:t>
+              <a:t>(b)</a:t>
             </a:r>
             <a:endParaRPr lang="en-GB" sz="2500" dirty="0"/>
           </a:p>
@@ -3214,14 +3203,14 @@
       </p:sp>
       <p:sp>
         <p:nvSpPr>
-          <p:cNvPr id="21" name="TextBox 20"/>
+          <p:cNvPr id="103" name="TextBox 102"/>
           <p:cNvSpPr txBox="1"/>
           <p:nvPr/>
         </p:nvSpPr>
         <p:spPr>
           <a:xfrm>
-            <a:off x="397" y="3555444"/>
-            <a:ext cx="612576" cy="477054"/>
+            <a:off x="-88577" y="4044950"/>
+            <a:ext cx="984072" cy="646331"/>
           </a:xfrm>
           <a:prstGeom prst="rect">
             <a:avLst/>
@@ -3234,11 +3223,1104 @@
           </a:bodyPr>
           <a:lstStyle/>
           <a:p>
-            <a:r>
-              <a:rPr lang="en-GB" sz="2500" dirty="0" smtClean="0"/>
-              <a:t>(b)</a:t>
-            </a:r>
-            <a:endParaRPr lang="en-GB" sz="2500" dirty="0"/>
+            <a:pPr algn="ctr"/>
+            <a:r>
+              <a:rPr lang="en-GB" dirty="0" smtClean="0"/>
+              <a:t>Sand</a:t>
+            </a:r>
+          </a:p>
+          <a:p>
+            <a:pPr algn="ctr"/>
+            <a:r>
+              <a:rPr lang="en-GB" dirty="0" smtClean="0"/>
+              <a:t>SiO</a:t>
+            </a:r>
+            <a:r>
+              <a:rPr lang="en-GB" baseline="-25000" dirty="0" smtClean="0"/>
+              <a:t>2</a:t>
+            </a:r>
+            <a:r>
+              <a:rPr lang="en-GB" dirty="0" smtClean="0"/>
+              <a:t> + C</a:t>
+            </a:r>
+          </a:p>
+        </p:txBody>
+      </p:sp>
+      <p:sp>
+        <p:nvSpPr>
+          <p:cNvPr id="104" name="TextBox 103"/>
+          <p:cNvSpPr txBox="1"/>
+          <p:nvPr/>
+        </p:nvSpPr>
+        <p:spPr>
+          <a:xfrm>
+            <a:off x="919535" y="4344782"/>
+            <a:ext cx="1764182" cy="923330"/>
+          </a:xfrm>
+          <a:prstGeom prst="rect">
+            <a:avLst/>
+          </a:prstGeom>
+        </p:spPr>
+        <p:style>
+          <a:lnRef idx="2">
+            <a:schemeClr val="dk1"/>
+          </a:lnRef>
+          <a:fillRef idx="1">
+            <a:schemeClr val="lt1"/>
+          </a:fillRef>
+          <a:effectRef idx="0">
+            <a:schemeClr val="dk1"/>
+          </a:effectRef>
+          <a:fontRef idx="minor">
+            <a:schemeClr val="dk1"/>
+          </a:fontRef>
+        </p:style>
+        <p:txBody>
+          <a:bodyPr wrap="square" rtlCol="0" anchor="ctr">
+            <a:spAutoFit/>
+          </a:bodyPr>
+          <a:lstStyle/>
+          <a:p>
+            <a:pPr algn="ctr"/>
+            <a:r>
+              <a:rPr lang="en-GB" dirty="0" smtClean="0"/>
+              <a:t>Coke reduction in arc furnace (1800°C)</a:t>
+            </a:r>
+            <a:endParaRPr lang="en-GB" dirty="0"/>
+          </a:p>
+        </p:txBody>
+      </p:sp>
+      <p:sp>
+        <p:nvSpPr>
+          <p:cNvPr id="105" name="TextBox 104"/>
+          <p:cNvSpPr txBox="1"/>
+          <p:nvPr/>
+        </p:nvSpPr>
+        <p:spPr>
+          <a:xfrm>
+            <a:off x="2503711" y="4095457"/>
+            <a:ext cx="1872208" cy="646331"/>
+          </a:xfrm>
+          <a:prstGeom prst="rect">
+            <a:avLst/>
+          </a:prstGeom>
+          <a:noFill/>
+        </p:spPr>
+        <p:txBody>
+          <a:bodyPr wrap="square" rtlCol="0">
+            <a:spAutoFit/>
+          </a:bodyPr>
+          <a:lstStyle/>
+          <a:p>
+            <a:pPr algn="ctr"/>
+            <a:r>
+              <a:rPr lang="en-GB" dirty="0" smtClean="0"/>
+              <a:t>Metallurgical Grade Silicon</a:t>
+            </a:r>
+            <a:endParaRPr lang="en-GB" dirty="0"/>
+          </a:p>
+        </p:txBody>
+      </p:sp>
+      <p:sp>
+        <p:nvSpPr>
+          <p:cNvPr id="106" name="TextBox 105"/>
+          <p:cNvSpPr txBox="1"/>
+          <p:nvPr/>
+        </p:nvSpPr>
+        <p:spPr>
+          <a:xfrm>
+            <a:off x="4625848" y="3930057"/>
+            <a:ext cx="1368152" cy="369332"/>
+          </a:xfrm>
+          <a:prstGeom prst="rect">
+            <a:avLst/>
+          </a:prstGeom>
+          <a:noFill/>
+        </p:spPr>
+        <p:txBody>
+          <a:bodyPr wrap="square" rtlCol="0">
+            <a:spAutoFit/>
+          </a:bodyPr>
+          <a:lstStyle/>
+          <a:p>
+            <a:pPr algn="ctr"/>
+            <a:r>
+              <a:rPr lang="en-GB" dirty="0" err="1" smtClean="0"/>
+              <a:t>HCl</a:t>
+            </a:r>
+            <a:endParaRPr lang="en-GB" dirty="0"/>
+          </a:p>
+        </p:txBody>
+      </p:sp>
+      <p:sp>
+        <p:nvSpPr>
+          <p:cNvPr id="107" name="TextBox 106"/>
+          <p:cNvSpPr txBox="1"/>
+          <p:nvPr/>
+        </p:nvSpPr>
+        <p:spPr>
+          <a:xfrm>
+            <a:off x="4231904" y="4344782"/>
+            <a:ext cx="1728191" cy="923330"/>
+          </a:xfrm>
+          <a:prstGeom prst="rect">
+            <a:avLst/>
+          </a:prstGeom>
+        </p:spPr>
+        <p:style>
+          <a:lnRef idx="2">
+            <a:schemeClr val="dk1"/>
+          </a:lnRef>
+          <a:fillRef idx="1">
+            <a:schemeClr val="lt1"/>
+          </a:fillRef>
+          <a:effectRef idx="0">
+            <a:schemeClr val="dk1"/>
+          </a:effectRef>
+          <a:fontRef idx="minor">
+            <a:schemeClr val="dk1"/>
+          </a:fontRef>
+        </p:style>
+        <p:txBody>
+          <a:bodyPr wrap="square" rtlCol="0" anchor="ctr">
+            <a:spAutoFit/>
+          </a:bodyPr>
+          <a:lstStyle/>
+          <a:p>
+            <a:pPr algn="ctr"/>
+            <a:r>
+              <a:rPr lang="en-GB" dirty="0" smtClean="0"/>
+              <a:t>Dissolve in </a:t>
+            </a:r>
+            <a:r>
+              <a:rPr lang="en-GB" dirty="0" err="1" smtClean="0"/>
+              <a:t>HCl</a:t>
+            </a:r>
+            <a:r>
+              <a:rPr lang="en-GB" dirty="0" smtClean="0"/>
+              <a:t> (300°C) </a:t>
+            </a:r>
+          </a:p>
+          <a:p>
+            <a:pPr algn="ctr"/>
+            <a:r>
+              <a:rPr lang="en-GB" dirty="0" smtClean="0"/>
+              <a:t>+ </a:t>
+            </a:r>
+            <a:r>
+              <a:rPr lang="en-GB" dirty="0" err="1" smtClean="0"/>
+              <a:t>distallation</a:t>
+            </a:r>
+            <a:endParaRPr lang="en-GB" dirty="0"/>
+          </a:p>
+        </p:txBody>
+      </p:sp>
+      <p:sp>
+        <p:nvSpPr>
+          <p:cNvPr id="108" name="TextBox 107"/>
+          <p:cNvSpPr txBox="1"/>
+          <p:nvPr/>
+        </p:nvSpPr>
+        <p:spPr>
+          <a:xfrm>
+            <a:off x="3905261" y="6655938"/>
+            <a:ext cx="2381476" cy="369332"/>
+          </a:xfrm>
+          <a:prstGeom prst="rect">
+            <a:avLst/>
+          </a:prstGeom>
+        </p:spPr>
+        <p:style>
+          <a:lnRef idx="2">
+            <a:schemeClr val="dk1"/>
+          </a:lnRef>
+          <a:fillRef idx="1">
+            <a:schemeClr val="lt1"/>
+          </a:fillRef>
+          <a:effectRef idx="0">
+            <a:schemeClr val="dk1"/>
+          </a:effectRef>
+          <a:fontRef idx="minor">
+            <a:schemeClr val="dk1"/>
+          </a:fontRef>
+        </p:style>
+        <p:txBody>
+          <a:bodyPr wrap="square" rtlCol="0" anchor="ctr">
+            <a:spAutoFit/>
+          </a:bodyPr>
+          <a:lstStyle/>
+          <a:p>
+            <a:pPr algn="ctr"/>
+            <a:r>
+              <a:rPr lang="en-GB" dirty="0" smtClean="0"/>
+              <a:t>Chemical refinement</a:t>
+            </a:r>
+            <a:endParaRPr lang="en-GB" dirty="0"/>
+          </a:p>
+        </p:txBody>
+      </p:sp>
+      <p:sp>
+        <p:nvSpPr>
+          <p:cNvPr id="109" name="TextBox 108"/>
+          <p:cNvSpPr txBox="1"/>
+          <p:nvPr/>
+        </p:nvSpPr>
+        <p:spPr>
+          <a:xfrm>
+            <a:off x="4810850" y="6205664"/>
+            <a:ext cx="2304256" cy="369332"/>
+          </a:xfrm>
+          <a:prstGeom prst="rect">
+            <a:avLst/>
+          </a:prstGeom>
+          <a:noFill/>
+        </p:spPr>
+        <p:txBody>
+          <a:bodyPr wrap="square" rtlCol="0">
+            <a:spAutoFit/>
+          </a:bodyPr>
+          <a:lstStyle/>
+          <a:p>
+            <a:pPr algn="ctr"/>
+            <a:r>
+              <a:rPr lang="en-GB" dirty="0" smtClean="0"/>
+              <a:t>Various gases</a:t>
+            </a:r>
+            <a:endParaRPr lang="en-GB" dirty="0"/>
+          </a:p>
+        </p:txBody>
+      </p:sp>
+      <p:sp>
+        <p:nvSpPr>
+          <p:cNvPr id="110" name="TextBox 109"/>
+          <p:cNvSpPr txBox="1"/>
+          <p:nvPr/>
+        </p:nvSpPr>
+        <p:spPr>
+          <a:xfrm>
+            <a:off x="7238430" y="4483394"/>
+            <a:ext cx="1835819" cy="646331"/>
+          </a:xfrm>
+          <a:prstGeom prst="rect">
+            <a:avLst/>
+          </a:prstGeom>
+        </p:spPr>
+        <p:style>
+          <a:lnRef idx="2">
+            <a:schemeClr val="dk1"/>
+          </a:lnRef>
+          <a:fillRef idx="1">
+            <a:schemeClr val="lt1"/>
+          </a:fillRef>
+          <a:effectRef idx="0">
+            <a:schemeClr val="dk1"/>
+          </a:effectRef>
+          <a:fontRef idx="minor">
+            <a:schemeClr val="dk1"/>
+          </a:fontRef>
+        </p:style>
+        <p:txBody>
+          <a:bodyPr wrap="square" rtlCol="0" anchor="ctr">
+            <a:spAutoFit/>
+          </a:bodyPr>
+          <a:lstStyle/>
+          <a:p>
+            <a:pPr algn="ctr"/>
+            <a:r>
+              <a:rPr lang="en-GB" dirty="0" smtClean="0"/>
+              <a:t>Siemens process (900°C) </a:t>
+            </a:r>
+          </a:p>
+        </p:txBody>
+      </p:sp>
+      <p:sp>
+        <p:nvSpPr>
+          <p:cNvPr id="111" name="TextBox 110"/>
+          <p:cNvSpPr txBox="1"/>
+          <p:nvPr/>
+        </p:nvSpPr>
+        <p:spPr>
+          <a:xfrm>
+            <a:off x="7184231" y="5338411"/>
+            <a:ext cx="1944216" cy="969496"/>
+          </a:xfrm>
+          <a:prstGeom prst="rect">
+            <a:avLst/>
+          </a:prstGeom>
+        </p:spPr>
+        <p:style>
+          <a:lnRef idx="2">
+            <a:schemeClr val="dk1"/>
+          </a:lnRef>
+          <a:fillRef idx="1">
+            <a:schemeClr val="lt1"/>
+          </a:fillRef>
+          <a:effectRef idx="0">
+            <a:schemeClr val="dk1"/>
+          </a:effectRef>
+          <a:fontRef idx="minor">
+            <a:schemeClr val="dk1"/>
+          </a:fontRef>
+        </p:style>
+        <p:txBody>
+          <a:bodyPr wrap="square" rtlCol="0" anchor="ctr">
+            <a:spAutoFit/>
+          </a:bodyPr>
+          <a:lstStyle/>
+          <a:p>
+            <a:pPr algn="ctr"/>
+            <a:r>
+              <a:rPr lang="en-GB" dirty="0" smtClean="0"/>
+              <a:t>Modified Siemens process (900°C) </a:t>
+            </a:r>
+          </a:p>
+        </p:txBody>
+      </p:sp>
+      <p:sp>
+        <p:nvSpPr>
+          <p:cNvPr id="112" name="TextBox 111"/>
+          <p:cNvSpPr txBox="1"/>
+          <p:nvPr/>
+        </p:nvSpPr>
+        <p:spPr>
+          <a:xfrm>
+            <a:off x="5888087" y="4095457"/>
+            <a:ext cx="1415205" cy="646331"/>
+          </a:xfrm>
+          <a:prstGeom prst="rect">
+            <a:avLst/>
+          </a:prstGeom>
+          <a:noFill/>
+        </p:spPr>
+        <p:txBody>
+          <a:bodyPr wrap="square" rtlCol="0">
+            <a:spAutoFit/>
+          </a:bodyPr>
+          <a:lstStyle/>
+          <a:p>
+            <a:pPr algn="ctr"/>
+            <a:r>
+              <a:rPr lang="en-GB" dirty="0" smtClean="0"/>
+              <a:t>High purity HSiCl</a:t>
+            </a:r>
+            <a:r>
+              <a:rPr lang="en-GB" baseline="-25000" dirty="0" smtClean="0"/>
+              <a:t>3</a:t>
+            </a:r>
+            <a:endParaRPr lang="en-GB" baseline="-25000" dirty="0"/>
+          </a:p>
+        </p:txBody>
+      </p:sp>
+      <p:sp>
+        <p:nvSpPr>
+          <p:cNvPr id="113" name="TextBox 112"/>
+          <p:cNvSpPr txBox="1"/>
+          <p:nvPr/>
+        </p:nvSpPr>
+        <p:spPr>
+          <a:xfrm>
+            <a:off x="7545772" y="4031563"/>
+            <a:ext cx="642256" cy="369332"/>
+          </a:xfrm>
+          <a:prstGeom prst="rect">
+            <a:avLst/>
+          </a:prstGeom>
+          <a:noFill/>
+        </p:spPr>
+        <p:txBody>
+          <a:bodyPr wrap="square" rtlCol="0">
+            <a:spAutoFit/>
+          </a:bodyPr>
+          <a:lstStyle/>
+          <a:p>
+            <a:pPr algn="ctr"/>
+            <a:r>
+              <a:rPr lang="en-GB" dirty="0" err="1" smtClean="0"/>
+              <a:t>HCl</a:t>
+            </a:r>
+            <a:endParaRPr lang="en-GB" dirty="0"/>
+          </a:p>
+        </p:txBody>
+      </p:sp>
+      <p:sp>
+        <p:nvSpPr>
+          <p:cNvPr id="114" name="TextBox 113"/>
+          <p:cNvSpPr txBox="1"/>
+          <p:nvPr/>
+        </p:nvSpPr>
+        <p:spPr>
+          <a:xfrm>
+            <a:off x="8428607" y="4030830"/>
+            <a:ext cx="654677" cy="369332"/>
+          </a:xfrm>
+          <a:prstGeom prst="rect">
+            <a:avLst/>
+          </a:prstGeom>
+          <a:noFill/>
+        </p:spPr>
+        <p:txBody>
+          <a:bodyPr wrap="square" rtlCol="0">
+            <a:spAutoFit/>
+          </a:bodyPr>
+          <a:lstStyle/>
+          <a:p>
+            <a:pPr algn="ctr"/>
+            <a:r>
+              <a:rPr lang="en-GB" dirty="0" smtClean="0"/>
+              <a:t>H</a:t>
+            </a:r>
+            <a:r>
+              <a:rPr lang="en-GB" baseline="-25000" dirty="0" smtClean="0"/>
+              <a:t>2</a:t>
+            </a:r>
+            <a:endParaRPr lang="en-GB" baseline="-25000" dirty="0"/>
+          </a:p>
+        </p:txBody>
+      </p:sp>
+      <p:sp>
+        <p:nvSpPr>
+          <p:cNvPr id="115" name="TextBox 114"/>
+          <p:cNvSpPr txBox="1"/>
+          <p:nvPr/>
+        </p:nvSpPr>
+        <p:spPr>
+          <a:xfrm>
+            <a:off x="9317505" y="4312679"/>
+            <a:ext cx="2070155" cy="969496"/>
+          </a:xfrm>
+          <a:prstGeom prst="rect">
+            <a:avLst/>
+          </a:prstGeom>
+          <a:noFill/>
+        </p:spPr>
+        <p:txBody>
+          <a:bodyPr wrap="square" rtlCol="0">
+            <a:spAutoFit/>
+          </a:bodyPr>
+          <a:lstStyle/>
+          <a:p>
+            <a:pPr algn="ctr"/>
+            <a:r>
+              <a:rPr lang="en-GB" b="1" dirty="0" smtClean="0"/>
+              <a:t>High-purity </a:t>
+            </a:r>
+            <a:r>
+              <a:rPr lang="en-GB" b="1" dirty="0" err="1" smtClean="0"/>
+              <a:t>polysilicon</a:t>
+            </a:r>
+            <a:r>
+              <a:rPr lang="en-GB" b="1" dirty="0" smtClean="0"/>
+              <a:t> (electronic-grade)</a:t>
+            </a:r>
+            <a:endParaRPr lang="en-GB" b="1" dirty="0"/>
+          </a:p>
+        </p:txBody>
+      </p:sp>
+      <p:sp>
+        <p:nvSpPr>
+          <p:cNvPr id="116" name="TextBox 115"/>
+          <p:cNvSpPr txBox="1"/>
+          <p:nvPr/>
+        </p:nvSpPr>
+        <p:spPr>
+          <a:xfrm>
+            <a:off x="9416479" y="5645052"/>
+            <a:ext cx="1872208" cy="369332"/>
+          </a:xfrm>
+          <a:prstGeom prst="rect">
+            <a:avLst/>
+          </a:prstGeom>
+          <a:noFill/>
+        </p:spPr>
+        <p:txBody>
+          <a:bodyPr wrap="square" rtlCol="0">
+            <a:spAutoFit/>
+          </a:bodyPr>
+          <a:lstStyle/>
+          <a:p>
+            <a:pPr algn="ctr"/>
+            <a:r>
+              <a:rPr lang="en-GB" b="1" dirty="0" err="1" smtClean="0"/>
+              <a:t>Polysilicon</a:t>
+            </a:r>
+            <a:endParaRPr lang="en-GB" b="1" dirty="0"/>
+          </a:p>
+        </p:txBody>
+      </p:sp>
+      <p:sp>
+        <p:nvSpPr>
+          <p:cNvPr id="117" name="TextBox 116"/>
+          <p:cNvSpPr txBox="1"/>
+          <p:nvPr/>
+        </p:nvSpPr>
+        <p:spPr>
+          <a:xfrm>
+            <a:off x="9218531" y="6404595"/>
+            <a:ext cx="2268103" cy="969496"/>
+          </a:xfrm>
+          <a:prstGeom prst="rect">
+            <a:avLst/>
+          </a:prstGeom>
+          <a:noFill/>
+        </p:spPr>
+        <p:txBody>
+          <a:bodyPr wrap="square" rtlCol="0">
+            <a:spAutoFit/>
+          </a:bodyPr>
+          <a:lstStyle/>
+          <a:p>
+            <a:pPr algn="ctr"/>
+            <a:r>
+              <a:rPr lang="en-GB" b="1" dirty="0" smtClean="0"/>
+              <a:t>Ungraded metallurgical silicon (solar-grade)</a:t>
+            </a:r>
+            <a:endParaRPr lang="en-GB" b="1" dirty="0"/>
+          </a:p>
+        </p:txBody>
+      </p:sp>
+      <p:cxnSp>
+        <p:nvCxnSpPr>
+          <p:cNvPr id="118" name="Straight Arrow Connector 117"/>
+          <p:cNvCxnSpPr/>
+          <p:nvPr/>
+        </p:nvCxnSpPr>
+        <p:spPr>
+          <a:xfrm flipV="1">
+            <a:off x="166807" y="4806447"/>
+            <a:ext cx="593800" cy="112"/>
+          </a:xfrm>
+          <a:prstGeom prst="straightConnector1">
+            <a:avLst/>
+          </a:prstGeom>
+          <a:ln w="28575">
+            <a:solidFill>
+              <a:schemeClr val="bg1">
+                <a:lumMod val="65000"/>
+              </a:schemeClr>
+            </a:solidFill>
+            <a:tailEnd type="stealth" w="lg" len="lg"/>
+          </a:ln>
+        </p:spPr>
+        <p:style>
+          <a:lnRef idx="1">
+            <a:schemeClr val="accent1"/>
+          </a:lnRef>
+          <a:fillRef idx="0">
+            <a:schemeClr val="accent1"/>
+          </a:fillRef>
+          <a:effectRef idx="0">
+            <a:schemeClr val="accent1"/>
+          </a:effectRef>
+          <a:fontRef idx="minor">
+            <a:schemeClr val="tx1"/>
+          </a:fontRef>
+        </p:style>
+      </p:cxnSp>
+      <p:cxnSp>
+        <p:nvCxnSpPr>
+          <p:cNvPr id="119" name="Straight Arrow Connector 118"/>
+          <p:cNvCxnSpPr/>
+          <p:nvPr/>
+        </p:nvCxnSpPr>
+        <p:spPr>
+          <a:xfrm>
+            <a:off x="2846015" y="4806671"/>
+            <a:ext cx="1349607" cy="0"/>
+          </a:xfrm>
+          <a:prstGeom prst="straightConnector1">
+            <a:avLst/>
+          </a:prstGeom>
+          <a:ln w="28575">
+            <a:solidFill>
+              <a:schemeClr val="bg1">
+                <a:lumMod val="65000"/>
+              </a:schemeClr>
+            </a:solidFill>
+            <a:tailEnd type="stealth" w="lg" len="lg"/>
+          </a:ln>
+        </p:spPr>
+        <p:style>
+          <a:lnRef idx="1">
+            <a:schemeClr val="accent1"/>
+          </a:lnRef>
+          <a:fillRef idx="0">
+            <a:schemeClr val="accent1"/>
+          </a:fillRef>
+          <a:effectRef idx="0">
+            <a:schemeClr val="accent1"/>
+          </a:effectRef>
+          <a:fontRef idx="minor">
+            <a:schemeClr val="tx1"/>
+          </a:fontRef>
+        </p:style>
+      </p:cxnSp>
+      <p:cxnSp>
+        <p:nvCxnSpPr>
+          <p:cNvPr id="120" name="Straight Arrow Connector 119"/>
+          <p:cNvCxnSpPr/>
+          <p:nvPr/>
+        </p:nvCxnSpPr>
+        <p:spPr>
+          <a:xfrm>
+            <a:off x="6032102" y="4774344"/>
+            <a:ext cx="1124633" cy="0"/>
+          </a:xfrm>
+          <a:prstGeom prst="straightConnector1">
+            <a:avLst/>
+          </a:prstGeom>
+          <a:ln w="28575">
+            <a:solidFill>
+              <a:schemeClr val="bg1">
+                <a:lumMod val="65000"/>
+              </a:schemeClr>
+            </a:solidFill>
+            <a:tailEnd type="stealth" w="lg" len="lg"/>
+          </a:ln>
+        </p:spPr>
+        <p:style>
+          <a:lnRef idx="1">
+            <a:schemeClr val="accent1"/>
+          </a:lnRef>
+          <a:fillRef idx="0">
+            <a:schemeClr val="accent1"/>
+          </a:fillRef>
+          <a:effectRef idx="0">
+            <a:schemeClr val="accent1"/>
+          </a:effectRef>
+          <a:fontRef idx="minor">
+            <a:schemeClr val="tx1"/>
+          </a:fontRef>
+        </p:style>
+      </p:cxnSp>
+      <p:cxnSp>
+        <p:nvCxnSpPr>
+          <p:cNvPr id="121" name="Straight Arrow Connector 120"/>
+          <p:cNvCxnSpPr/>
+          <p:nvPr/>
+        </p:nvCxnSpPr>
+        <p:spPr>
+          <a:xfrm>
+            <a:off x="5035115" y="3915792"/>
+            <a:ext cx="0" cy="397863"/>
+          </a:xfrm>
+          <a:prstGeom prst="straightConnector1">
+            <a:avLst/>
+          </a:prstGeom>
+          <a:ln w="28575">
+            <a:solidFill>
+              <a:schemeClr val="bg1">
+                <a:lumMod val="65000"/>
+              </a:schemeClr>
+            </a:solidFill>
+            <a:tailEnd type="stealth" w="lg" len="lg"/>
+          </a:ln>
+        </p:spPr>
+        <p:style>
+          <a:lnRef idx="1">
+            <a:schemeClr val="accent1"/>
+          </a:lnRef>
+          <a:fillRef idx="0">
+            <a:schemeClr val="accent1"/>
+          </a:fillRef>
+          <a:effectRef idx="0">
+            <a:schemeClr val="accent1"/>
+          </a:effectRef>
+          <a:fontRef idx="minor">
+            <a:schemeClr val="tx1"/>
+          </a:fontRef>
+        </p:style>
+      </p:cxnSp>
+      <p:cxnSp>
+        <p:nvCxnSpPr>
+          <p:cNvPr id="122" name="Straight Arrow Connector 121"/>
+          <p:cNvCxnSpPr/>
+          <p:nvPr/>
+        </p:nvCxnSpPr>
+        <p:spPr>
+          <a:xfrm>
+            <a:off x="8552383" y="4031563"/>
+            <a:ext cx="0" cy="397863"/>
+          </a:xfrm>
+          <a:prstGeom prst="straightConnector1">
+            <a:avLst/>
+          </a:prstGeom>
+          <a:ln w="28575">
+            <a:solidFill>
+              <a:schemeClr val="bg1">
+                <a:lumMod val="65000"/>
+              </a:schemeClr>
+            </a:solidFill>
+            <a:tailEnd type="stealth" w="lg" len="lg"/>
+          </a:ln>
+        </p:spPr>
+        <p:style>
+          <a:lnRef idx="1">
+            <a:schemeClr val="accent1"/>
+          </a:lnRef>
+          <a:fillRef idx="0">
+            <a:schemeClr val="accent1"/>
+          </a:fillRef>
+          <a:effectRef idx="0">
+            <a:schemeClr val="accent1"/>
+          </a:effectRef>
+          <a:fontRef idx="minor">
+            <a:schemeClr val="tx1"/>
+          </a:fontRef>
+        </p:style>
+      </p:cxnSp>
+      <p:cxnSp>
+        <p:nvCxnSpPr>
+          <p:cNvPr id="123" name="Straight Arrow Connector 122"/>
+          <p:cNvCxnSpPr/>
+          <p:nvPr/>
+        </p:nvCxnSpPr>
+        <p:spPr>
+          <a:xfrm flipV="1">
+            <a:off x="7565177" y="4016565"/>
+            <a:ext cx="0" cy="397863"/>
+          </a:xfrm>
+          <a:prstGeom prst="straightConnector1">
+            <a:avLst/>
+          </a:prstGeom>
+          <a:ln w="28575">
+            <a:solidFill>
+              <a:schemeClr val="bg1">
+                <a:lumMod val="65000"/>
+              </a:schemeClr>
+            </a:solidFill>
+            <a:tailEnd type="stealth" w="lg" len="lg"/>
+          </a:ln>
+        </p:spPr>
+        <p:style>
+          <a:lnRef idx="1">
+            <a:schemeClr val="accent1"/>
+          </a:lnRef>
+          <a:fillRef idx="0">
+            <a:schemeClr val="accent1"/>
+          </a:fillRef>
+          <a:effectRef idx="0">
+            <a:schemeClr val="accent1"/>
+          </a:effectRef>
+          <a:fontRef idx="minor">
+            <a:schemeClr val="tx1"/>
+          </a:fontRef>
+        </p:style>
+      </p:cxnSp>
+      <p:cxnSp>
+        <p:nvCxnSpPr>
+          <p:cNvPr id="124" name="Straight Arrow Connector 123"/>
+          <p:cNvCxnSpPr/>
+          <p:nvPr/>
+        </p:nvCxnSpPr>
+        <p:spPr>
+          <a:xfrm>
+            <a:off x="5206894" y="6205664"/>
+            <a:ext cx="0" cy="397863"/>
+          </a:xfrm>
+          <a:prstGeom prst="straightConnector1">
+            <a:avLst/>
+          </a:prstGeom>
+          <a:ln w="28575">
+            <a:solidFill>
+              <a:schemeClr val="bg1">
+                <a:lumMod val="65000"/>
+              </a:schemeClr>
+            </a:solidFill>
+            <a:tailEnd type="stealth" w="lg" len="lg"/>
+          </a:ln>
+        </p:spPr>
+        <p:style>
+          <a:lnRef idx="1">
+            <a:schemeClr val="accent1"/>
+          </a:lnRef>
+          <a:fillRef idx="0">
+            <a:schemeClr val="accent1"/>
+          </a:fillRef>
+          <a:effectRef idx="0">
+            <a:schemeClr val="accent1"/>
+          </a:effectRef>
+          <a:fontRef idx="minor">
+            <a:schemeClr val="tx1"/>
+          </a:fontRef>
+        </p:style>
+      </p:cxnSp>
+      <p:cxnSp>
+        <p:nvCxnSpPr>
+          <p:cNvPr id="125" name="Straight Arrow Connector 124"/>
+          <p:cNvCxnSpPr/>
+          <p:nvPr/>
+        </p:nvCxnSpPr>
+        <p:spPr>
+          <a:xfrm>
+            <a:off x="9200455" y="4774344"/>
+            <a:ext cx="441400" cy="0"/>
+          </a:xfrm>
+          <a:prstGeom prst="straightConnector1">
+            <a:avLst/>
+          </a:prstGeom>
+          <a:ln w="28575">
+            <a:solidFill>
+              <a:schemeClr val="bg1">
+                <a:lumMod val="65000"/>
+              </a:schemeClr>
+            </a:solidFill>
+            <a:tailEnd type="stealth" w="lg" len="lg"/>
+          </a:ln>
+        </p:spPr>
+        <p:style>
+          <a:lnRef idx="1">
+            <a:schemeClr val="accent1"/>
+          </a:lnRef>
+          <a:fillRef idx="0">
+            <a:schemeClr val="accent1"/>
+          </a:fillRef>
+          <a:effectRef idx="0">
+            <a:schemeClr val="accent1"/>
+          </a:effectRef>
+          <a:fontRef idx="minor">
+            <a:schemeClr val="tx1"/>
+          </a:fontRef>
+        </p:style>
+      </p:cxnSp>
+      <p:cxnSp>
+        <p:nvCxnSpPr>
+          <p:cNvPr id="126" name="Straight Arrow Connector 125"/>
+          <p:cNvCxnSpPr/>
+          <p:nvPr/>
+        </p:nvCxnSpPr>
+        <p:spPr>
+          <a:xfrm>
+            <a:off x="9208519" y="5829718"/>
+            <a:ext cx="441400" cy="0"/>
+          </a:xfrm>
+          <a:prstGeom prst="straightConnector1">
+            <a:avLst/>
+          </a:prstGeom>
+          <a:ln w="28575">
+            <a:solidFill>
+              <a:schemeClr val="bg1">
+                <a:lumMod val="65000"/>
+              </a:schemeClr>
+            </a:solidFill>
+            <a:tailEnd type="stealth" w="lg" len="lg"/>
+          </a:ln>
+        </p:spPr>
+        <p:style>
+          <a:lnRef idx="1">
+            <a:schemeClr val="accent1"/>
+          </a:lnRef>
+          <a:fillRef idx="0">
+            <a:schemeClr val="accent1"/>
+          </a:fillRef>
+          <a:effectRef idx="0">
+            <a:schemeClr val="accent1"/>
+          </a:effectRef>
+          <a:fontRef idx="minor">
+            <a:schemeClr val="tx1"/>
+          </a:fontRef>
+        </p:style>
+      </p:cxnSp>
+      <p:cxnSp>
+        <p:nvCxnSpPr>
+          <p:cNvPr id="127" name="Straight Arrow Connector 126"/>
+          <p:cNvCxnSpPr/>
+          <p:nvPr/>
+        </p:nvCxnSpPr>
+        <p:spPr>
+          <a:xfrm>
+            <a:off x="6421139" y="6840604"/>
+            <a:ext cx="2707308" cy="0"/>
+          </a:xfrm>
+          <a:prstGeom prst="straightConnector1">
+            <a:avLst/>
+          </a:prstGeom>
+          <a:ln w="28575">
+            <a:solidFill>
+              <a:schemeClr val="bg1">
+                <a:lumMod val="65000"/>
+              </a:schemeClr>
+            </a:solidFill>
+            <a:tailEnd type="stealth" w="lg" len="lg"/>
+          </a:ln>
+        </p:spPr>
+        <p:style>
+          <a:lnRef idx="1">
+            <a:schemeClr val="accent1"/>
+          </a:lnRef>
+          <a:fillRef idx="0">
+            <a:schemeClr val="accent1"/>
+          </a:fillRef>
+          <a:effectRef idx="0">
+            <a:schemeClr val="accent1"/>
+          </a:effectRef>
+          <a:fontRef idx="minor">
+            <a:schemeClr val="tx1"/>
+          </a:fontRef>
+        </p:style>
+      </p:cxnSp>
+      <p:sp>
+        <p:nvSpPr>
+          <p:cNvPr id="128" name="Freeform 127"/>
+          <p:cNvSpPr/>
+          <p:nvPr/>
+        </p:nvSpPr>
+        <p:spPr>
+          <a:xfrm>
+            <a:off x="3099140" y="4819362"/>
+            <a:ext cx="700715" cy="2007594"/>
+          </a:xfrm>
+          <a:custGeom>
+            <a:avLst/>
+            <a:gdLst>
+              <a:gd name="connsiteX0" fmla="*/ 0 w 1132764"/>
+              <a:gd name="connsiteY0" fmla="*/ 0 h 1624084"/>
+              <a:gd name="connsiteX1" fmla="*/ 0 w 1132764"/>
+              <a:gd name="connsiteY1" fmla="*/ 1624084 h 1624084"/>
+              <a:gd name="connsiteX2" fmla="*/ 1132764 w 1132764"/>
+              <a:gd name="connsiteY2" fmla="*/ 1624084 h 1624084"/>
+            </a:gdLst>
+            <a:ahLst/>
+            <a:cxnLst>
+              <a:cxn ang="0">
+                <a:pos x="connsiteX0" y="connsiteY0"/>
+              </a:cxn>
+              <a:cxn ang="0">
+                <a:pos x="connsiteX1" y="connsiteY1"/>
+              </a:cxn>
+              <a:cxn ang="0">
+                <a:pos x="connsiteX2" y="connsiteY2"/>
+              </a:cxn>
+            </a:cxnLst>
+            <a:rect l="l" t="t" r="r" b="b"/>
+            <a:pathLst>
+              <a:path w="1132764" h="1624084">
+                <a:moveTo>
+                  <a:pt x="0" y="0"/>
+                </a:moveTo>
+                <a:lnTo>
+                  <a:pt x="0" y="1624084"/>
+                </a:lnTo>
+                <a:lnTo>
+                  <a:pt x="1132764" y="1624084"/>
+                </a:lnTo>
+              </a:path>
+            </a:pathLst>
+          </a:custGeom>
+          <a:noFill/>
+          <a:ln w="28575">
+            <a:solidFill>
+              <a:schemeClr val="bg1">
+                <a:lumMod val="65000"/>
+              </a:schemeClr>
+            </a:solidFill>
+            <a:tailEnd type="stealth" w="lg" len="lg"/>
+          </a:ln>
+        </p:spPr>
+        <p:style>
+          <a:lnRef idx="2">
+            <a:schemeClr val="accent1">
+              <a:shade val="50000"/>
+            </a:schemeClr>
+          </a:lnRef>
+          <a:fillRef idx="1">
+            <a:schemeClr val="accent1"/>
+          </a:fillRef>
+          <a:effectRef idx="0">
+            <a:schemeClr val="accent1"/>
+          </a:effectRef>
+          <a:fontRef idx="minor">
+            <a:schemeClr val="lt1"/>
+          </a:fontRef>
+        </p:style>
+        <p:txBody>
+          <a:bodyPr rtlCol="0" anchor="ctr"/>
+          <a:lstStyle/>
+          <a:p>
+            <a:pPr algn="ctr"/>
+            <a:endParaRPr lang="en-GB"/>
+          </a:p>
+        </p:txBody>
+      </p:sp>
+      <p:sp>
+        <p:nvSpPr>
+          <p:cNvPr id="129" name="Freeform 128"/>
+          <p:cNvSpPr/>
+          <p:nvPr/>
+        </p:nvSpPr>
+        <p:spPr>
+          <a:xfrm>
+            <a:off x="6244060" y="4779888"/>
+            <a:ext cx="871046" cy="1049830"/>
+          </a:xfrm>
+          <a:custGeom>
+            <a:avLst/>
+            <a:gdLst>
+              <a:gd name="connsiteX0" fmla="*/ 0 w 1132764"/>
+              <a:gd name="connsiteY0" fmla="*/ 0 h 1624084"/>
+              <a:gd name="connsiteX1" fmla="*/ 0 w 1132764"/>
+              <a:gd name="connsiteY1" fmla="*/ 1624084 h 1624084"/>
+              <a:gd name="connsiteX2" fmla="*/ 1132764 w 1132764"/>
+              <a:gd name="connsiteY2" fmla="*/ 1624084 h 1624084"/>
+            </a:gdLst>
+            <a:ahLst/>
+            <a:cxnLst>
+              <a:cxn ang="0">
+                <a:pos x="connsiteX0" y="connsiteY0"/>
+              </a:cxn>
+              <a:cxn ang="0">
+                <a:pos x="connsiteX1" y="connsiteY1"/>
+              </a:cxn>
+              <a:cxn ang="0">
+                <a:pos x="connsiteX2" y="connsiteY2"/>
+              </a:cxn>
+            </a:cxnLst>
+            <a:rect l="l" t="t" r="r" b="b"/>
+            <a:pathLst>
+              <a:path w="1132764" h="1624084">
+                <a:moveTo>
+                  <a:pt x="0" y="0"/>
+                </a:moveTo>
+                <a:lnTo>
+                  <a:pt x="0" y="1624084"/>
+                </a:lnTo>
+                <a:lnTo>
+                  <a:pt x="1132764" y="1624084"/>
+                </a:lnTo>
+              </a:path>
+            </a:pathLst>
+          </a:custGeom>
+          <a:noFill/>
+          <a:ln w="28575">
+            <a:solidFill>
+              <a:schemeClr val="bg1">
+                <a:lumMod val="65000"/>
+              </a:schemeClr>
+            </a:solidFill>
+            <a:tailEnd type="stealth" w="lg" len="lg"/>
+          </a:ln>
+        </p:spPr>
+        <p:style>
+          <a:lnRef idx="2">
+            <a:schemeClr val="accent1">
+              <a:shade val="50000"/>
+            </a:schemeClr>
+          </a:lnRef>
+          <a:fillRef idx="1">
+            <a:schemeClr val="accent1"/>
+          </a:fillRef>
+          <a:effectRef idx="0">
+            <a:schemeClr val="accent1"/>
+          </a:effectRef>
+          <a:fontRef idx="minor">
+            <a:schemeClr val="lt1"/>
+          </a:fontRef>
+        </p:style>
+        <p:txBody>
+          <a:bodyPr rtlCol="0" anchor="ctr"/>
+          <a:lstStyle/>
+          <a:p>
+            <a:pPr algn="ctr"/>
+            <a:endParaRPr lang="en-GB"/>
           </a:p>
         </p:txBody>
       </p:sp>

--- a/Chapter1/Figures/Fig1.pptx
+++ b/Chapter1/Figures/Fig1.pptx
@@ -7,7 +7,7 @@
   <p:sldIdLst>
     <p:sldId id="256" r:id="rId2"/>
   </p:sldIdLst>
-  <p:sldSz cx="11341100" cy="7380288"/>
+  <p:sldSz cx="11522075" cy="7921625"/>
   <p:notesSz cx="6858000" cy="9144000"/>
   <p:defaultTextStyle>
     <a:defPPr>
@@ -136,8 +136,8 @@
         </p:nvSpPr>
         <p:spPr>
           <a:xfrm>
-            <a:off x="850584" y="2292686"/>
-            <a:ext cx="9639936" cy="1581978"/>
+            <a:off x="864157" y="2460852"/>
+            <a:ext cx="9793765" cy="1698015"/>
           </a:xfrm>
         </p:spPr>
         <p:txBody>
@@ -164,8 +164,8 @@
         </p:nvSpPr>
         <p:spPr>
           <a:xfrm>
-            <a:off x="1701172" y="4182175"/>
-            <a:ext cx="7938770" cy="1886074"/>
+            <a:off x="1728319" y="4488933"/>
+            <a:ext cx="8065453" cy="2024416"/>
           </a:xfrm>
         </p:spPr>
         <p:txBody>
@@ -288,7 +288,7 @@
           <a:p>
             <a:fld id="{87B95B6F-78E1-4637-9023-649F366F8102}" type="datetimeFigureOut">
               <a:rPr lang="en-GB" smtClean="0"/>
-              <a:t>25/08/2014</a:t>
+              <a:t>25/09/2014</a:t>
             </a:fld>
             <a:endParaRPr lang="en-GB"/>
           </a:p>
@@ -458,7 +458,7 @@
           <a:p>
             <a:fld id="{87B95B6F-78E1-4637-9023-649F366F8102}" type="datetimeFigureOut">
               <a:rPr lang="en-GB" smtClean="0"/>
-              <a:t>25/08/2014</a:t>
+              <a:t>25/09/2014</a:t>
             </a:fld>
             <a:endParaRPr lang="en-GB"/>
           </a:p>
@@ -548,8 +548,8 @@
         </p:nvSpPr>
         <p:spPr>
           <a:xfrm>
-            <a:off x="9712790" y="155476"/>
-            <a:ext cx="3014446" cy="3305753"/>
+            <a:off x="9867782" y="166881"/>
+            <a:ext cx="3062549" cy="3548227"/>
           </a:xfrm>
         </p:spPr>
         <p:txBody>
@@ -576,8 +576,8 @@
         </p:nvSpPr>
         <p:spPr>
           <a:xfrm>
-            <a:off x="669442" y="155476"/>
-            <a:ext cx="8854329" cy="3305753"/>
+            <a:off x="680127" y="166881"/>
+            <a:ext cx="8995621" cy="3548227"/>
           </a:xfrm>
         </p:spPr>
         <p:txBody>
@@ -638,7 +638,7 @@
           <a:p>
             <a:fld id="{87B95B6F-78E1-4637-9023-649F366F8102}" type="datetimeFigureOut">
               <a:rPr lang="en-GB" smtClean="0"/>
-              <a:t>25/08/2014</a:t>
+              <a:t>25/09/2014</a:t>
             </a:fld>
             <a:endParaRPr lang="en-GB"/>
           </a:p>
@@ -808,7 +808,7 @@
           <a:p>
             <a:fld id="{87B95B6F-78E1-4637-9023-649F366F8102}" type="datetimeFigureOut">
               <a:rPr lang="en-GB" smtClean="0"/>
-              <a:t>25/08/2014</a:t>
+              <a:t>25/09/2014</a:t>
             </a:fld>
             <a:endParaRPr lang="en-GB"/>
           </a:p>
@@ -898,8 +898,8 @@
         </p:nvSpPr>
         <p:spPr>
           <a:xfrm>
-            <a:off x="895870" y="4742533"/>
-            <a:ext cx="9639936" cy="1465806"/>
+            <a:off x="910167" y="5090393"/>
+            <a:ext cx="9793765" cy="1573321"/>
           </a:xfrm>
         </p:spPr>
         <p:txBody>
@@ -930,8 +930,8 @@
         </p:nvSpPr>
         <p:spPr>
           <a:xfrm>
-            <a:off x="895870" y="3128082"/>
-            <a:ext cx="9639936" cy="1614437"/>
+            <a:off x="910167" y="3357525"/>
+            <a:ext cx="9793765" cy="1732855"/>
           </a:xfrm>
         </p:spPr>
         <p:txBody>
@@ -1054,7 +1054,7 @@
           <a:p>
             <a:fld id="{87B95B6F-78E1-4637-9023-649F366F8102}" type="datetimeFigureOut">
               <a:rPr lang="en-GB" smtClean="0"/>
-              <a:t>25/08/2014</a:t>
+              <a:t>25/09/2014</a:t>
             </a:fld>
             <a:endParaRPr lang="en-GB"/>
           </a:p>
@@ -1167,8 +1167,8 @@
         </p:nvSpPr>
         <p:spPr>
           <a:xfrm>
-            <a:off x="669441" y="903747"/>
-            <a:ext cx="5934389" cy="2557475"/>
+            <a:off x="680126" y="970037"/>
+            <a:ext cx="6029087" cy="2745063"/>
           </a:xfrm>
         </p:spPr>
         <p:txBody>
@@ -1252,8 +1252,8 @@
         </p:nvSpPr>
         <p:spPr>
           <a:xfrm>
-            <a:off x="6792848" y="903747"/>
-            <a:ext cx="5934389" cy="2557475"/>
+            <a:off x="6901247" y="970037"/>
+            <a:ext cx="6029087" cy="2745063"/>
           </a:xfrm>
         </p:spPr>
         <p:txBody>
@@ -1342,7 +1342,7 @@
           <a:p>
             <a:fld id="{87B95B6F-78E1-4637-9023-649F366F8102}" type="datetimeFigureOut">
               <a:rPr lang="en-GB" smtClean="0"/>
-              <a:t>25/08/2014</a:t>
+              <a:t>25/09/2014</a:t>
             </a:fld>
             <a:endParaRPr lang="en-GB"/>
           </a:p>
@@ -1432,8 +1432,8 @@
         </p:nvSpPr>
         <p:spPr>
           <a:xfrm>
-            <a:off x="567060" y="295569"/>
-            <a:ext cx="10206990" cy="1230048"/>
+            <a:off x="576109" y="317249"/>
+            <a:ext cx="10369868" cy="1320271"/>
           </a:xfrm>
         </p:spPr>
         <p:txBody>
@@ -1464,8 +1464,8 @@
         </p:nvSpPr>
         <p:spPr>
           <a:xfrm>
-            <a:off x="567057" y="1652031"/>
-            <a:ext cx="5010957" cy="688484"/>
+            <a:off x="576108" y="1773206"/>
+            <a:ext cx="5090919" cy="738984"/>
           </a:xfrm>
         </p:spPr>
         <p:txBody>
@@ -1529,8 +1529,8 @@
         </p:nvSpPr>
         <p:spPr>
           <a:xfrm>
-            <a:off x="567057" y="2340507"/>
-            <a:ext cx="5010957" cy="4252208"/>
+            <a:off x="576108" y="2512182"/>
+            <a:ext cx="5090919" cy="4564103"/>
           </a:xfrm>
         </p:spPr>
         <p:txBody>
@@ -1614,8 +1614,8 @@
         </p:nvSpPr>
         <p:spPr>
           <a:xfrm>
-            <a:off x="5761128" y="1652031"/>
-            <a:ext cx="5012924" cy="688484"/>
+            <a:off x="5853062" y="1773206"/>
+            <a:ext cx="5092917" cy="738984"/>
           </a:xfrm>
         </p:spPr>
         <p:txBody>
@@ -1679,8 +1679,8 @@
         </p:nvSpPr>
         <p:spPr>
           <a:xfrm>
-            <a:off x="5761128" y="2340507"/>
-            <a:ext cx="5012924" cy="4252208"/>
+            <a:off x="5853062" y="2512182"/>
+            <a:ext cx="5092917" cy="4564103"/>
           </a:xfrm>
         </p:spPr>
         <p:txBody>
@@ -1769,7 +1769,7 @@
           <a:p>
             <a:fld id="{87B95B6F-78E1-4637-9023-649F366F8102}" type="datetimeFigureOut">
               <a:rPr lang="en-GB" smtClean="0"/>
-              <a:t>25/08/2014</a:t>
+              <a:t>25/09/2014</a:t>
             </a:fld>
             <a:endParaRPr lang="en-GB"/>
           </a:p>
@@ -1887,7 +1887,7 @@
           <a:p>
             <a:fld id="{87B95B6F-78E1-4637-9023-649F366F8102}" type="datetimeFigureOut">
               <a:rPr lang="en-GB" smtClean="0"/>
-              <a:t>25/08/2014</a:t>
+              <a:t>25/09/2014</a:t>
             </a:fld>
             <a:endParaRPr lang="en-GB"/>
           </a:p>
@@ -1982,7 +1982,7 @@
           <a:p>
             <a:fld id="{87B95B6F-78E1-4637-9023-649F366F8102}" type="datetimeFigureOut">
               <a:rPr lang="en-GB" smtClean="0"/>
-              <a:t>25/08/2014</a:t>
+              <a:t>25/09/2014</a:t>
             </a:fld>
             <a:endParaRPr lang="en-GB"/>
           </a:p>
@@ -2072,8 +2072,8 @@
         </p:nvSpPr>
         <p:spPr>
           <a:xfrm>
-            <a:off x="567059" y="293847"/>
-            <a:ext cx="3731143" cy="1250548"/>
+            <a:off x="576110" y="315400"/>
+            <a:ext cx="3790683" cy="1342275"/>
           </a:xfrm>
         </p:spPr>
         <p:txBody>
@@ -2104,8 +2104,8 @@
         </p:nvSpPr>
         <p:spPr>
           <a:xfrm>
-            <a:off x="4434061" y="293848"/>
-            <a:ext cx="6339992" cy="6298871"/>
+            <a:off x="4504817" y="315402"/>
+            <a:ext cx="6441162" cy="6760887"/>
           </a:xfrm>
         </p:spPr>
         <p:txBody>
@@ -2189,8 +2189,8 @@
         </p:nvSpPr>
         <p:spPr>
           <a:xfrm>
-            <a:off x="567059" y="1544395"/>
-            <a:ext cx="3731143" cy="5048322"/>
+            <a:off x="576110" y="1657676"/>
+            <a:ext cx="3790683" cy="5418611"/>
           </a:xfrm>
         </p:spPr>
         <p:txBody>
@@ -2259,7 +2259,7 @@
           <a:p>
             <a:fld id="{87B95B6F-78E1-4637-9023-649F366F8102}" type="datetimeFigureOut">
               <a:rPr lang="en-GB" smtClean="0"/>
-              <a:t>25/08/2014</a:t>
+              <a:t>25/09/2014</a:t>
             </a:fld>
             <a:endParaRPr lang="en-GB"/>
           </a:p>
@@ -2349,8 +2349,8 @@
         </p:nvSpPr>
         <p:spPr>
           <a:xfrm>
-            <a:off x="2222939" y="5166215"/>
-            <a:ext cx="6804660" cy="609898"/>
+            <a:off x="2258412" y="5545152"/>
+            <a:ext cx="6913245" cy="654633"/>
           </a:xfrm>
         </p:spPr>
         <p:txBody>
@@ -2381,8 +2381,8 @@
         </p:nvSpPr>
         <p:spPr>
           <a:xfrm>
-            <a:off x="2222939" y="659443"/>
-            <a:ext cx="6804660" cy="4428173"/>
+            <a:off x="2258412" y="707813"/>
+            <a:ext cx="6913245" cy="4752975"/>
           </a:xfrm>
         </p:spPr>
         <p:txBody>
@@ -2442,8 +2442,8 @@
         </p:nvSpPr>
         <p:spPr>
           <a:xfrm>
-            <a:off x="2222939" y="5776114"/>
-            <a:ext cx="6804660" cy="866160"/>
+            <a:off x="2258412" y="6199787"/>
+            <a:ext cx="6913245" cy="929692"/>
           </a:xfrm>
         </p:spPr>
         <p:txBody>
@@ -2512,7 +2512,7 @@
           <a:p>
             <a:fld id="{87B95B6F-78E1-4637-9023-649F366F8102}" type="datetimeFigureOut">
               <a:rPr lang="en-GB" smtClean="0"/>
-              <a:t>25/08/2014</a:t>
+              <a:t>25/09/2014</a:t>
             </a:fld>
             <a:endParaRPr lang="en-GB"/>
           </a:p>
@@ -2607,8 +2607,8 @@
         </p:nvSpPr>
         <p:spPr>
           <a:xfrm>
-            <a:off x="567060" y="295569"/>
-            <a:ext cx="10206990" cy="1230048"/>
+            <a:off x="576109" y="317249"/>
+            <a:ext cx="10369868" cy="1320271"/>
           </a:xfrm>
           <a:prstGeom prst="rect">
             <a:avLst/>
@@ -2640,8 +2640,8 @@
         </p:nvSpPr>
         <p:spPr>
           <a:xfrm>
-            <a:off x="567060" y="1722079"/>
-            <a:ext cx="10206990" cy="4870650"/>
+            <a:off x="576109" y="1848392"/>
+            <a:ext cx="10369868" cy="5227908"/>
           </a:xfrm>
           <a:prstGeom prst="rect">
             <a:avLst/>
@@ -2702,8 +2702,8 @@
         </p:nvSpPr>
         <p:spPr>
           <a:xfrm>
-            <a:off x="567057" y="6840448"/>
-            <a:ext cx="2646260" cy="392933"/>
+            <a:off x="576106" y="7342189"/>
+            <a:ext cx="2688488" cy="421754"/>
           </a:xfrm>
           <a:prstGeom prst="rect">
             <a:avLst/>
@@ -2725,7 +2725,7 @@
           <a:p>
             <a:fld id="{87B95B6F-78E1-4637-9023-649F366F8102}" type="datetimeFigureOut">
               <a:rPr lang="en-GB" smtClean="0"/>
-              <a:t>25/08/2014</a:t>
+              <a:t>25/09/2014</a:t>
             </a:fld>
             <a:endParaRPr lang="en-GB"/>
           </a:p>
@@ -2743,8 +2743,8 @@
         </p:nvSpPr>
         <p:spPr>
           <a:xfrm>
-            <a:off x="3874882" y="6840448"/>
-            <a:ext cx="3591348" cy="392933"/>
+            <a:off x="3936716" y="7342189"/>
+            <a:ext cx="3648657" cy="421754"/>
           </a:xfrm>
           <a:prstGeom prst="rect">
             <a:avLst/>
@@ -2780,8 +2780,8 @@
         </p:nvSpPr>
         <p:spPr>
           <a:xfrm>
-            <a:off x="8127791" y="6840448"/>
-            <a:ext cx="2646260" cy="392933"/>
+            <a:off x="8257490" y="7342189"/>
+            <a:ext cx="2688488" cy="421754"/>
           </a:xfrm>
           <a:prstGeom prst="rect">
             <a:avLst/>
@@ -3100,56 +3100,45 @@
           <a:chExt cx="0" cy="0"/>
         </a:xfrm>
       </p:grpSpPr>
-      <p:pic>
-        <p:nvPicPr>
-          <p:cNvPr id="100" name="Picture 2" descr="http://upload.wikimedia.org/wikipedia/commons/b/bf/Replica-of-first-transistor.jpg"/>
-          <p:cNvPicPr>
-            <a:picLocks noChangeAspect="1" noChangeArrowheads="1"/>
-          </p:cNvPicPr>
+      <p:sp>
+        <p:nvSpPr>
+          <p:cNvPr id="93" name="TextBox 92"/>
+          <p:cNvSpPr txBox="1"/>
           <p:nvPr/>
-        </p:nvPicPr>
-        <p:blipFill>
-          <a:blip r:embed="rId2">
-            <a:extLst>
-              <a:ext uri="{28A0092B-C50C-407E-A947-70E740481C1C}">
-                <a14:useLocalDpi xmlns:a14="http://schemas.microsoft.com/office/drawing/2010/main" val="0"/>
-              </a:ext>
-            </a:extLst>
-          </a:blip>
-          <a:srcRect/>
-          <a:stretch>
-            <a:fillRect/>
-          </a:stretch>
-        </p:blipFill>
-        <p:spPr bwMode="auto">
-          <a:xfrm>
-            <a:off x="3002100" y="13543"/>
-            <a:ext cx="4019065" cy="3601083"/>
+        </p:nvSpPr>
+        <p:spPr>
+          <a:xfrm>
+            <a:off x="2389524" y="48741"/>
+            <a:ext cx="612576" cy="477054"/>
           </a:xfrm>
           <a:prstGeom prst="rect">
             <a:avLst/>
           </a:prstGeom>
           <a:noFill/>
-          <a:extLst>
-            <a:ext uri="{909E8E84-426E-40DD-AFC4-6F175D3DCCD1}">
-              <a14:hiddenFill xmlns:a14="http://schemas.microsoft.com/office/drawing/2010/main">
-                <a:solidFill>
-                  <a:srgbClr val="FFFFFF"/>
-                </a:solidFill>
-              </a14:hiddenFill>
-            </a:ext>
-          </a:extLst>
-        </p:spPr>
-      </p:pic>
-      <p:sp>
-        <p:nvSpPr>
-          <p:cNvPr id="101" name="TextBox 100"/>
+        </p:spPr>
+        <p:txBody>
+          <a:bodyPr wrap="square" rtlCol="0">
+            <a:spAutoFit/>
+          </a:bodyPr>
+          <a:lstStyle/>
+          <a:p>
+            <a:r>
+              <a:rPr lang="en-GB" sz="2500" dirty="0" smtClean="0"/>
+              <a:t>(a)</a:t>
+            </a:r>
+            <a:endParaRPr lang="en-GB" sz="2500" dirty="0"/>
+          </a:p>
+        </p:txBody>
+      </p:sp>
+      <p:sp>
+        <p:nvSpPr>
+          <p:cNvPr id="94" name="TextBox 93"/>
           <p:cNvSpPr txBox="1"/>
           <p:nvPr/>
         </p:nvSpPr>
         <p:spPr>
           <a:xfrm>
-            <a:off x="2389524" y="48741"/>
+            <a:off x="-12543" y="4032523"/>
             <a:ext cx="612576" cy="477054"/>
           </a:xfrm>
           <a:prstGeom prst="rect">
@@ -3165,7 +3154,7 @@
           <a:p>
             <a:r>
               <a:rPr lang="en-GB" sz="2500" dirty="0" smtClean="0"/>
-              <a:t>(a)</a:t>
+              <a:t>(b)</a:t>
             </a:r>
             <a:endParaRPr lang="en-GB" sz="2500" dirty="0"/>
           </a:p>
@@ -3173,14 +3162,14 @@
       </p:sp>
       <p:sp>
         <p:nvSpPr>
-          <p:cNvPr id="102" name="TextBox 101"/>
+          <p:cNvPr id="95" name="TextBox 94"/>
           <p:cNvSpPr txBox="1"/>
           <p:nvPr/>
         </p:nvSpPr>
         <p:spPr>
           <a:xfrm>
-            <a:off x="-12543" y="3554509"/>
-            <a:ext cx="612576" cy="477054"/>
+            <a:off x="-88577" y="4522964"/>
+            <a:ext cx="984072" cy="646331"/>
           </a:xfrm>
           <a:prstGeom prst="rect">
             <a:avLst/>
@@ -3193,68 +3182,38 @@
           </a:bodyPr>
           <a:lstStyle/>
           <a:p>
-            <a:r>
-              <a:rPr lang="en-GB" sz="2500" dirty="0" smtClean="0"/>
-              <a:t>(b)</a:t>
-            </a:r>
-            <a:endParaRPr lang="en-GB" sz="2500" dirty="0"/>
-          </a:p>
-        </p:txBody>
-      </p:sp>
-      <p:sp>
-        <p:nvSpPr>
-          <p:cNvPr id="103" name="TextBox 102"/>
+            <a:pPr algn="ctr"/>
+            <a:r>
+              <a:rPr lang="en-GB" dirty="0" smtClean="0"/>
+              <a:t>Sand</a:t>
+            </a:r>
+          </a:p>
+          <a:p>
+            <a:pPr algn="ctr"/>
+            <a:r>
+              <a:rPr lang="en-GB" dirty="0" smtClean="0"/>
+              <a:t>SiO</a:t>
+            </a:r>
+            <a:r>
+              <a:rPr lang="en-GB" baseline="-25000" dirty="0" smtClean="0"/>
+              <a:t>2</a:t>
+            </a:r>
+            <a:r>
+              <a:rPr lang="en-GB" dirty="0" smtClean="0"/>
+              <a:t> + C</a:t>
+            </a:r>
+          </a:p>
+        </p:txBody>
+      </p:sp>
+      <p:sp>
+        <p:nvSpPr>
+          <p:cNvPr id="96" name="TextBox 95"/>
           <p:cNvSpPr txBox="1"/>
           <p:nvPr/>
         </p:nvSpPr>
         <p:spPr>
           <a:xfrm>
-            <a:off x="-88577" y="4044950"/>
-            <a:ext cx="984072" cy="646331"/>
-          </a:xfrm>
-          <a:prstGeom prst="rect">
-            <a:avLst/>
-          </a:prstGeom>
-          <a:noFill/>
-        </p:spPr>
-        <p:txBody>
-          <a:bodyPr wrap="square" rtlCol="0">
-            <a:spAutoFit/>
-          </a:bodyPr>
-          <a:lstStyle/>
-          <a:p>
-            <a:pPr algn="ctr"/>
-            <a:r>
-              <a:rPr lang="en-GB" dirty="0" smtClean="0"/>
-              <a:t>Sand</a:t>
-            </a:r>
-          </a:p>
-          <a:p>
-            <a:pPr algn="ctr"/>
-            <a:r>
-              <a:rPr lang="en-GB" dirty="0" smtClean="0"/>
-              <a:t>SiO</a:t>
-            </a:r>
-            <a:r>
-              <a:rPr lang="en-GB" baseline="-25000" dirty="0" smtClean="0"/>
-              <a:t>2</a:t>
-            </a:r>
-            <a:r>
-              <a:rPr lang="en-GB" dirty="0" smtClean="0"/>
-              <a:t> + C</a:t>
-            </a:r>
-          </a:p>
-        </p:txBody>
-      </p:sp>
-      <p:sp>
-        <p:nvSpPr>
-          <p:cNvPr id="104" name="TextBox 103"/>
-          <p:cNvSpPr txBox="1"/>
-          <p:nvPr/>
-        </p:nvSpPr>
-        <p:spPr>
-          <a:xfrm>
-            <a:off x="919535" y="4344782"/>
+            <a:off x="919535" y="4822796"/>
             <a:ext cx="1764182" cy="923330"/>
           </a:xfrm>
           <a:prstGeom prst="rect">
@@ -3292,13 +3251,13 @@
       </p:sp>
       <p:sp>
         <p:nvSpPr>
-          <p:cNvPr id="105" name="TextBox 104"/>
+          <p:cNvPr id="97" name="TextBox 96"/>
           <p:cNvSpPr txBox="1"/>
           <p:nvPr/>
         </p:nvSpPr>
         <p:spPr>
           <a:xfrm>
-            <a:off x="2503711" y="4095457"/>
+            <a:off x="2503711" y="4573471"/>
             <a:ext cx="1872208" cy="646331"/>
           </a:xfrm>
           <a:prstGeom prst="rect">
@@ -3323,13 +3282,13 @@
       </p:sp>
       <p:sp>
         <p:nvSpPr>
-          <p:cNvPr id="106" name="TextBox 105"/>
+          <p:cNvPr id="98" name="TextBox 97"/>
           <p:cNvSpPr txBox="1"/>
           <p:nvPr/>
         </p:nvSpPr>
         <p:spPr>
           <a:xfrm>
-            <a:off x="4625848" y="3930057"/>
+            <a:off x="4625848" y="4408071"/>
             <a:ext cx="1368152" cy="369332"/>
           </a:xfrm>
           <a:prstGeom prst="rect">
@@ -3354,13 +3313,13 @@
       </p:sp>
       <p:sp>
         <p:nvSpPr>
-          <p:cNvPr id="107" name="TextBox 106"/>
+          <p:cNvPr id="99" name="TextBox 98"/>
           <p:cNvSpPr txBox="1"/>
           <p:nvPr/>
         </p:nvSpPr>
         <p:spPr>
           <a:xfrm>
-            <a:off x="4231904" y="4344782"/>
+            <a:off x="4231904" y="4822796"/>
             <a:ext cx="1728191" cy="923330"/>
           </a:xfrm>
           <a:prstGeom prst="rect">
@@ -3417,13 +3376,13 @@
       </p:sp>
       <p:sp>
         <p:nvSpPr>
-          <p:cNvPr id="108" name="TextBox 107"/>
+          <p:cNvPr id="130" name="TextBox 129"/>
           <p:cNvSpPr txBox="1"/>
           <p:nvPr/>
         </p:nvSpPr>
         <p:spPr>
           <a:xfrm>
-            <a:off x="3905261" y="6655938"/>
+            <a:off x="3905261" y="7133952"/>
             <a:ext cx="2381476" cy="369332"/>
           </a:xfrm>
           <a:prstGeom prst="rect">
@@ -3461,13 +3420,13 @@
       </p:sp>
       <p:sp>
         <p:nvSpPr>
-          <p:cNvPr id="109" name="TextBox 108"/>
+          <p:cNvPr id="131" name="TextBox 130"/>
           <p:cNvSpPr txBox="1"/>
           <p:nvPr/>
         </p:nvSpPr>
         <p:spPr>
           <a:xfrm>
-            <a:off x="4810850" y="6205664"/>
+            <a:off x="4810850" y="6683678"/>
             <a:ext cx="2304256" cy="369332"/>
           </a:xfrm>
           <a:prstGeom prst="rect">
@@ -3492,13 +3451,13 @@
       </p:sp>
       <p:sp>
         <p:nvSpPr>
-          <p:cNvPr id="110" name="TextBox 109"/>
+          <p:cNvPr id="132" name="TextBox 131"/>
           <p:cNvSpPr txBox="1"/>
           <p:nvPr/>
         </p:nvSpPr>
         <p:spPr>
           <a:xfrm>
-            <a:off x="7238430" y="4483394"/>
+            <a:off x="7238430" y="4961408"/>
             <a:ext cx="1835819" cy="646331"/>
           </a:xfrm>
           <a:prstGeom prst="rect">
@@ -3535,13 +3494,13 @@
       </p:sp>
       <p:sp>
         <p:nvSpPr>
-          <p:cNvPr id="111" name="TextBox 110"/>
+          <p:cNvPr id="133" name="TextBox 132"/>
           <p:cNvSpPr txBox="1"/>
           <p:nvPr/>
         </p:nvSpPr>
         <p:spPr>
           <a:xfrm>
-            <a:off x="7184231" y="5338411"/>
+            <a:off x="7184231" y="5816425"/>
             <a:ext cx="1944216" cy="969496"/>
           </a:xfrm>
           <a:prstGeom prst="rect">
@@ -3578,13 +3537,13 @@
       </p:sp>
       <p:sp>
         <p:nvSpPr>
-          <p:cNvPr id="112" name="TextBox 111"/>
+          <p:cNvPr id="134" name="TextBox 133"/>
           <p:cNvSpPr txBox="1"/>
           <p:nvPr/>
         </p:nvSpPr>
         <p:spPr>
           <a:xfrm>
-            <a:off x="5888087" y="4095457"/>
+            <a:off x="5888087" y="4573471"/>
             <a:ext cx="1415205" cy="646331"/>
           </a:xfrm>
           <a:prstGeom prst="rect">
@@ -3613,13 +3572,13 @@
       </p:sp>
       <p:sp>
         <p:nvSpPr>
-          <p:cNvPr id="113" name="TextBox 112"/>
+          <p:cNvPr id="135" name="TextBox 134"/>
           <p:cNvSpPr txBox="1"/>
           <p:nvPr/>
         </p:nvSpPr>
         <p:spPr>
           <a:xfrm>
-            <a:off x="7545772" y="4031563"/>
+            <a:off x="7545772" y="4509577"/>
             <a:ext cx="642256" cy="369332"/>
           </a:xfrm>
           <a:prstGeom prst="rect">
@@ -3644,13 +3603,13 @@
       </p:sp>
       <p:sp>
         <p:nvSpPr>
-          <p:cNvPr id="114" name="TextBox 113"/>
+          <p:cNvPr id="136" name="TextBox 135"/>
           <p:cNvSpPr txBox="1"/>
           <p:nvPr/>
         </p:nvSpPr>
         <p:spPr>
           <a:xfrm>
-            <a:off x="8428607" y="4030830"/>
+            <a:off x="8428607" y="4508844"/>
             <a:ext cx="654677" cy="369332"/>
           </a:xfrm>
           <a:prstGeom prst="rect">
@@ -3679,13 +3638,13 @@
       </p:sp>
       <p:sp>
         <p:nvSpPr>
-          <p:cNvPr id="115" name="TextBox 114"/>
+          <p:cNvPr id="137" name="TextBox 136"/>
           <p:cNvSpPr txBox="1"/>
           <p:nvPr/>
         </p:nvSpPr>
         <p:spPr>
           <a:xfrm>
-            <a:off x="9317505" y="4312679"/>
+            <a:off x="9317505" y="4790693"/>
             <a:ext cx="2070155" cy="969496"/>
           </a:xfrm>
           <a:prstGeom prst="rect">
@@ -3718,13 +3677,13 @@
       </p:sp>
       <p:sp>
         <p:nvSpPr>
-          <p:cNvPr id="116" name="TextBox 115"/>
+          <p:cNvPr id="138" name="TextBox 137"/>
           <p:cNvSpPr txBox="1"/>
           <p:nvPr/>
         </p:nvSpPr>
         <p:spPr>
           <a:xfrm>
-            <a:off x="9416479" y="5645052"/>
+            <a:off x="9416479" y="6123066"/>
             <a:ext cx="1872208" cy="369332"/>
           </a:xfrm>
           <a:prstGeom prst="rect">
@@ -3749,13 +3708,13 @@
       </p:sp>
       <p:sp>
         <p:nvSpPr>
-          <p:cNvPr id="117" name="TextBox 116"/>
+          <p:cNvPr id="139" name="TextBox 138"/>
           <p:cNvSpPr txBox="1"/>
           <p:nvPr/>
         </p:nvSpPr>
         <p:spPr>
           <a:xfrm>
-            <a:off x="9218531" y="6404595"/>
+            <a:off x="9218531" y="6882609"/>
             <a:ext cx="2268103" cy="969496"/>
           </a:xfrm>
           <a:prstGeom prst="rect">
@@ -3780,13 +3739,13 @@
       </p:sp>
       <p:cxnSp>
         <p:nvCxnSpPr>
-          <p:cNvPr id="118" name="Straight Arrow Connector 117"/>
+          <p:cNvPr id="140" name="Straight Arrow Connector 139"/>
           <p:cNvCxnSpPr/>
           <p:nvPr/>
         </p:nvCxnSpPr>
         <p:spPr>
           <a:xfrm flipV="1">
-            <a:off x="166807" y="4806447"/>
+            <a:off x="166807" y="5284461"/>
             <a:ext cx="593800" cy="112"/>
           </a:xfrm>
           <a:prstGeom prst="straightConnector1">
@@ -3818,13 +3777,13 @@
       </p:cxnSp>
       <p:cxnSp>
         <p:nvCxnSpPr>
-          <p:cNvPr id="119" name="Straight Arrow Connector 118"/>
+          <p:cNvPr id="141" name="Straight Arrow Connector 140"/>
           <p:cNvCxnSpPr/>
           <p:nvPr/>
         </p:nvCxnSpPr>
         <p:spPr>
           <a:xfrm>
-            <a:off x="2846015" y="4806671"/>
+            <a:off x="2846015" y="5284685"/>
             <a:ext cx="1349607" cy="0"/>
           </a:xfrm>
           <a:prstGeom prst="straightConnector1">
@@ -3856,13 +3815,13 @@
       </p:cxnSp>
       <p:cxnSp>
         <p:nvCxnSpPr>
-          <p:cNvPr id="120" name="Straight Arrow Connector 119"/>
+          <p:cNvPr id="142" name="Straight Arrow Connector 141"/>
           <p:cNvCxnSpPr/>
           <p:nvPr/>
         </p:nvCxnSpPr>
         <p:spPr>
           <a:xfrm>
-            <a:off x="6032102" y="4774344"/>
+            <a:off x="6032102" y="5252358"/>
             <a:ext cx="1124633" cy="0"/>
           </a:xfrm>
           <a:prstGeom prst="straightConnector1">
@@ -3894,13 +3853,13 @@
       </p:cxnSp>
       <p:cxnSp>
         <p:nvCxnSpPr>
-          <p:cNvPr id="121" name="Straight Arrow Connector 120"/>
+          <p:cNvPr id="143" name="Straight Arrow Connector 142"/>
           <p:cNvCxnSpPr/>
           <p:nvPr/>
         </p:nvCxnSpPr>
         <p:spPr>
           <a:xfrm>
-            <a:off x="5035115" y="3915792"/>
+            <a:off x="5035115" y="4393806"/>
             <a:ext cx="0" cy="397863"/>
           </a:xfrm>
           <a:prstGeom prst="straightConnector1">
@@ -3932,13 +3891,13 @@
       </p:cxnSp>
       <p:cxnSp>
         <p:nvCxnSpPr>
-          <p:cNvPr id="122" name="Straight Arrow Connector 121"/>
+          <p:cNvPr id="144" name="Straight Arrow Connector 143"/>
           <p:cNvCxnSpPr/>
           <p:nvPr/>
         </p:nvCxnSpPr>
         <p:spPr>
           <a:xfrm>
-            <a:off x="8552383" y="4031563"/>
+            <a:off x="8552383" y="4509577"/>
             <a:ext cx="0" cy="397863"/>
           </a:xfrm>
           <a:prstGeom prst="straightConnector1">
@@ -3970,13 +3929,13 @@
       </p:cxnSp>
       <p:cxnSp>
         <p:nvCxnSpPr>
-          <p:cNvPr id="123" name="Straight Arrow Connector 122"/>
+          <p:cNvPr id="145" name="Straight Arrow Connector 144"/>
           <p:cNvCxnSpPr/>
           <p:nvPr/>
         </p:nvCxnSpPr>
         <p:spPr>
           <a:xfrm flipV="1">
-            <a:off x="7565177" y="4016565"/>
+            <a:off x="7565177" y="4494579"/>
             <a:ext cx="0" cy="397863"/>
           </a:xfrm>
           <a:prstGeom prst="straightConnector1">
@@ -4008,13 +3967,13 @@
       </p:cxnSp>
       <p:cxnSp>
         <p:nvCxnSpPr>
-          <p:cNvPr id="124" name="Straight Arrow Connector 123"/>
+          <p:cNvPr id="146" name="Straight Arrow Connector 145"/>
           <p:cNvCxnSpPr/>
           <p:nvPr/>
         </p:nvCxnSpPr>
         <p:spPr>
           <a:xfrm>
-            <a:off x="5206894" y="6205664"/>
+            <a:off x="5206894" y="6683678"/>
             <a:ext cx="0" cy="397863"/>
           </a:xfrm>
           <a:prstGeom prst="straightConnector1">
@@ -4046,13 +4005,13 @@
       </p:cxnSp>
       <p:cxnSp>
         <p:nvCxnSpPr>
-          <p:cNvPr id="125" name="Straight Arrow Connector 124"/>
+          <p:cNvPr id="147" name="Straight Arrow Connector 146"/>
           <p:cNvCxnSpPr/>
           <p:nvPr/>
         </p:nvCxnSpPr>
         <p:spPr>
           <a:xfrm>
-            <a:off x="9200455" y="4774344"/>
+            <a:off x="9200455" y="5252358"/>
             <a:ext cx="441400" cy="0"/>
           </a:xfrm>
           <a:prstGeom prst="straightConnector1">
@@ -4084,13 +4043,13 @@
       </p:cxnSp>
       <p:cxnSp>
         <p:nvCxnSpPr>
-          <p:cNvPr id="126" name="Straight Arrow Connector 125"/>
+          <p:cNvPr id="148" name="Straight Arrow Connector 147"/>
           <p:cNvCxnSpPr/>
           <p:nvPr/>
         </p:nvCxnSpPr>
         <p:spPr>
           <a:xfrm>
-            <a:off x="9208519" y="5829718"/>
+            <a:off x="9208519" y="6307732"/>
             <a:ext cx="441400" cy="0"/>
           </a:xfrm>
           <a:prstGeom prst="straightConnector1">
@@ -4122,13 +4081,13 @@
       </p:cxnSp>
       <p:cxnSp>
         <p:nvCxnSpPr>
-          <p:cNvPr id="127" name="Straight Arrow Connector 126"/>
+          <p:cNvPr id="149" name="Straight Arrow Connector 148"/>
           <p:cNvCxnSpPr/>
           <p:nvPr/>
         </p:nvCxnSpPr>
         <p:spPr>
           <a:xfrm>
-            <a:off x="6421139" y="6840604"/>
+            <a:off x="6421139" y="7318618"/>
             <a:ext cx="2707308" cy="0"/>
           </a:xfrm>
           <a:prstGeom prst="straightConnector1">
@@ -4160,13 +4119,13 @@
       </p:cxnSp>
       <p:sp>
         <p:nvSpPr>
-          <p:cNvPr id="128" name="Freeform 127"/>
+          <p:cNvPr id="150" name="Freeform 149"/>
           <p:cNvSpPr/>
           <p:nvPr/>
         </p:nvSpPr>
         <p:spPr>
           <a:xfrm>
-            <a:off x="3099140" y="4819362"/>
+            <a:off x="3099140" y="5297376"/>
             <a:ext cx="700715" cy="2007594"/>
           </a:xfrm>
           <a:custGeom>
@@ -4243,13 +4202,13 @@
       </p:sp>
       <p:sp>
         <p:nvSpPr>
-          <p:cNvPr id="129" name="Freeform 128"/>
+          <p:cNvPr id="151" name="Freeform 150"/>
           <p:cNvSpPr/>
           <p:nvPr/>
         </p:nvSpPr>
         <p:spPr>
           <a:xfrm>
-            <a:off x="6244060" y="4779888"/>
+            <a:off x="6244060" y="5257902"/>
             <a:ext cx="871046" cy="1049830"/>
           </a:xfrm>
           <a:custGeom>
@@ -4324,6 +4283,47 @@
           </a:p>
         </p:txBody>
       </p:sp>
+      <p:pic>
+        <p:nvPicPr>
+          <p:cNvPr id="152" name="Picture 2" descr="http://www.beatriceco.com/bti/porticus/bell/images/transistor1.jpg"/>
+          <p:cNvPicPr>
+            <a:picLocks noChangeAspect="1" noChangeArrowheads="1"/>
+          </p:cNvPicPr>
+          <p:nvPr/>
+        </p:nvPicPr>
+        <p:blipFill>
+          <a:blip r:embed="rId2" cstate="print">
+            <a:extLst>
+              <a:ext uri="{28A0092B-C50C-407E-A947-70E740481C1C}">
+                <a14:useLocalDpi xmlns:a14="http://schemas.microsoft.com/office/drawing/2010/main" val="0"/>
+              </a:ext>
+            </a:extLst>
+          </a:blip>
+          <a:srcRect/>
+          <a:stretch>
+            <a:fillRect/>
+          </a:stretch>
+        </p:blipFill>
+        <p:spPr bwMode="auto">
+          <a:xfrm>
+            <a:off x="3417928" y="21255"/>
+            <a:ext cx="3960000" cy="3954261"/>
+          </a:xfrm>
+          <a:prstGeom prst="rect">
+            <a:avLst/>
+          </a:prstGeom>
+          <a:noFill/>
+          <a:extLst>
+            <a:ext uri="{909E8E84-426E-40DD-AFC4-6F175D3DCCD1}">
+              <a14:hiddenFill xmlns:a14="http://schemas.microsoft.com/office/drawing/2010/main">
+                <a:solidFill>
+                  <a:srgbClr val="FFFFFF"/>
+                </a:solidFill>
+              </a14:hiddenFill>
+            </a:ext>
+          </a:extLst>
+        </p:spPr>
+      </p:pic>
     </p:spTree>
     <p:extLst>
       <p:ext uri="{BB962C8B-B14F-4D97-AF65-F5344CB8AC3E}">
